--- a/口試簡報 .pptx
+++ b/口試簡報 .pptx
@@ -5,20 +5,31 @@
     <p:sldMasterId id="2147483828" r:id="rId1"/>
   </p:sldMasterIdLst>
   <p:notesMasterIdLst>
-    <p:notesMasterId r:id="rId10"/>
+    <p:notesMasterId r:id="rId21"/>
   </p:notesMasterIdLst>
   <p:handoutMasterIdLst>
-    <p:handoutMasterId r:id="rId11"/>
+    <p:handoutMasterId r:id="rId22"/>
   </p:handoutMasterIdLst>
   <p:sldIdLst>
     <p:sldId id="256" r:id="rId2"/>
     <p:sldId id="257" r:id="rId3"/>
     <p:sldId id="259" r:id="rId4"/>
-    <p:sldId id="260" r:id="rId5"/>
-    <p:sldId id="261" r:id="rId6"/>
-    <p:sldId id="262" r:id="rId7"/>
-    <p:sldId id="263" r:id="rId8"/>
-    <p:sldId id="258" r:id="rId9"/>
+    <p:sldId id="264" r:id="rId5"/>
+    <p:sldId id="270" r:id="rId6"/>
+    <p:sldId id="268" r:id="rId7"/>
+    <p:sldId id="269" r:id="rId8"/>
+    <p:sldId id="260" r:id="rId9"/>
+    <p:sldId id="265" r:id="rId10"/>
+    <p:sldId id="266" r:id="rId11"/>
+    <p:sldId id="273" r:id="rId12"/>
+    <p:sldId id="267" r:id="rId13"/>
+    <p:sldId id="274" r:id="rId14"/>
+    <p:sldId id="261" r:id="rId15"/>
+    <p:sldId id="262" r:id="rId16"/>
+    <p:sldId id="263" r:id="rId17"/>
+    <p:sldId id="271" r:id="rId18"/>
+    <p:sldId id="272" r:id="rId19"/>
+    <p:sldId id="258" r:id="rId20"/>
   </p:sldIdLst>
   <p:sldSz cx="9144000" cy="6858000" type="screen4x3"/>
   <p:notesSz cx="7099300" cy="10234613"/>
@@ -678,6 +689,164 @@
     </a:lvl9pPr>
   </p:notesStyle>
 </p:notesMaster>
+</file>
+
+<file path=ppt/notesSlides/notesSlide1.xml><?xml version="1.0" encoding="utf-8"?>
+<p:notes xmlns:a="http://schemas.openxmlformats.org/drawingml/2006/main" xmlns:r="http://schemas.openxmlformats.org/officeDocument/2006/relationships" xmlns:p="http://schemas.openxmlformats.org/presentationml/2006/main">
+  <p:cSld>
+    <p:spTree>
+      <p:nvGrpSpPr>
+        <p:cNvPr id="1" name=""/>
+        <p:cNvGrpSpPr/>
+        <p:nvPr/>
+      </p:nvGrpSpPr>
+      <p:grpSpPr>
+        <a:xfrm>
+          <a:off x="0" y="0"/>
+          <a:ext cx="0" cy="0"/>
+          <a:chOff x="0" y="0"/>
+          <a:chExt cx="0" cy="0"/>
+        </a:xfrm>
+      </p:grpSpPr>
+      <p:sp>
+        <p:nvSpPr>
+          <p:cNvPr id="2" name="投影片圖像版面配置區 1"/>
+          <p:cNvSpPr>
+            <a:spLocks noGrp="1" noRot="1" noChangeAspect="1"/>
+          </p:cNvSpPr>
+          <p:nvPr>
+            <p:ph type="sldImg"/>
+          </p:nvPr>
+        </p:nvSpPr>
+        <p:spPr/>
+      </p:sp>
+      <p:sp>
+        <p:nvSpPr>
+          <p:cNvPr id="3" name="備忘稿版面配置區 2"/>
+          <p:cNvSpPr>
+            <a:spLocks noGrp="1"/>
+          </p:cNvSpPr>
+          <p:nvPr>
+            <p:ph type="body" idx="1"/>
+          </p:nvPr>
+        </p:nvSpPr>
+        <p:spPr/>
+        <p:txBody>
+          <a:bodyPr/>
+          <a:lstStyle/>
+          <a:p>
+            <a:r>
+              <a:rPr lang="en-US" altLang="zh-TW" sz="1200" kern="1200" dirty="0" smtClean="0">
+                <a:solidFill>
+                  <a:schemeClr val="tx1"/>
+                </a:solidFill>
+                <a:latin typeface="+mn-lt"/>
+                <a:ea typeface="+mn-ea"/>
+                <a:cs typeface="+mn-cs"/>
+              </a:rPr>
+              <a:t>Robusta </a:t>
+            </a:r>
+            <a:r>
+              <a:rPr lang="zh-TW" altLang="en-US" sz="1200" kern="1200" dirty="0" smtClean="0">
+                <a:solidFill>
+                  <a:schemeClr val="tx1"/>
+                </a:solidFill>
+                <a:latin typeface="+mn-lt"/>
+                <a:ea typeface="+mn-ea"/>
+                <a:cs typeface="+mn-cs"/>
+              </a:rPr>
+              <a:t>是一個開放原始碼的專案，主要的功能是用來偵測 </a:t>
+            </a:r>
+            <a:r>
+              <a:rPr lang="en-US" altLang="zh-TW" sz="1200" kern="1200" dirty="0" smtClean="0">
+                <a:solidFill>
+                  <a:schemeClr val="tx1"/>
+                </a:solidFill>
+                <a:latin typeface="+mn-lt"/>
+                <a:ea typeface="+mn-ea"/>
+                <a:cs typeface="+mn-cs"/>
+              </a:rPr>
+              <a:t>Java </a:t>
+            </a:r>
+            <a:r>
+              <a:rPr lang="zh-TW" altLang="en-US" sz="1200" kern="1200" dirty="0" smtClean="0">
+                <a:solidFill>
+                  <a:schemeClr val="tx1"/>
+                </a:solidFill>
+                <a:latin typeface="+mn-lt"/>
+                <a:ea typeface="+mn-ea"/>
+                <a:cs typeface="+mn-cs"/>
+              </a:rPr>
+              <a:t>專案中的例外處理壞味道。</a:t>
+            </a:r>
+            <a:endParaRPr lang="en-US" altLang="zh-TW" sz="1200" kern="1200" dirty="0" smtClean="0">
+              <a:solidFill>
+                <a:schemeClr val="tx1"/>
+              </a:solidFill>
+              <a:latin typeface="+mn-lt"/>
+              <a:ea typeface="+mn-ea"/>
+              <a:cs typeface="+mn-cs"/>
+            </a:endParaRPr>
+          </a:p>
+          <a:p>
+            <a:r>
+              <a:rPr lang="zh-TW" altLang="en-US" dirty="0" smtClean="0"/>
+              <a:t>開發人員可以透過它來偵測壞味道，降低人工閱覽程式碼的成本</a:t>
+            </a:r>
+            <a:endParaRPr lang="en-US" altLang="zh-TW" dirty="0" smtClean="0"/>
+          </a:p>
+          <a:p>
+            <a:r>
+              <a:rPr lang="zh-TW" altLang="en-US" dirty="0" smtClean="0"/>
+              <a:t>本論文將會把想法實作上</a:t>
+            </a:r>
+            <a:r>
+              <a:rPr lang="en-US" altLang="zh-TW" dirty="0" smtClean="0"/>
+              <a:t>ROBUSTA</a:t>
+            </a:r>
+            <a:r>
+              <a:rPr lang="zh-TW" altLang="en-US" dirty="0" smtClean="0"/>
+              <a:t>上</a:t>
+            </a:r>
+            <a:endParaRPr lang="zh-TW" altLang="en-US" dirty="0"/>
+          </a:p>
+        </p:txBody>
+      </p:sp>
+      <p:sp>
+        <p:nvSpPr>
+          <p:cNvPr id="4" name="投影片編號版面配置區 3"/>
+          <p:cNvSpPr>
+            <a:spLocks noGrp="1"/>
+          </p:cNvSpPr>
+          <p:nvPr>
+            <p:ph type="sldNum" sz="quarter" idx="10"/>
+          </p:nvPr>
+        </p:nvSpPr>
+        <p:spPr/>
+        <p:txBody>
+          <a:bodyPr/>
+          <a:lstStyle/>
+          <a:p>
+            <a:fld id="{56F5E423-F0A5-4329-87E9-0DE4DB9F145E}" type="slidenum">
+              <a:rPr lang="zh-TW" altLang="en-US" smtClean="0"/>
+              <a:pPr/>
+              <a:t>9</a:t>
+            </a:fld>
+            <a:endParaRPr lang="zh-TW" altLang="en-US"/>
+          </a:p>
+        </p:txBody>
+      </p:sp>
+    </p:spTree>
+    <p:extLst>
+      <p:ext uri="{BB962C8B-B14F-4D97-AF65-F5344CB8AC3E}">
+        <p14:creationId xmlns:p14="http://schemas.microsoft.com/office/powerpoint/2010/main" val="3974103525"/>
+      </p:ext>
+    </p:extLst>
+  </p:cSld>
+  <p:clrMapOvr>
+    <a:masterClrMapping/>
+  </p:clrMapOvr>
+</p:notes>
 </file>
 
 <file path=ppt/slideLayouts/slideLayout1.xml><?xml version="1.0" encoding="utf-8"?>
@@ -4456,6 +4625,2922 @@
 </p:sld>
 </file>
 
+<file path=ppt/slides/slide10.xml><?xml version="1.0" encoding="utf-8"?>
+<p:sld xmlns:a="http://schemas.openxmlformats.org/drawingml/2006/main" xmlns:r="http://schemas.openxmlformats.org/officeDocument/2006/relationships" xmlns:p="http://schemas.openxmlformats.org/presentationml/2006/main">
+  <p:cSld>
+    <p:spTree>
+      <p:nvGrpSpPr>
+        <p:cNvPr id="1" name=""/>
+        <p:cNvGrpSpPr/>
+        <p:nvPr/>
+      </p:nvGrpSpPr>
+      <p:grpSpPr>
+        <a:xfrm>
+          <a:off x="0" y="0"/>
+          <a:ext cx="0" cy="0"/>
+          <a:chOff x="0" y="0"/>
+          <a:chExt cx="0" cy="0"/>
+        </a:xfrm>
+      </p:grpSpPr>
+      <p:sp>
+        <p:nvSpPr>
+          <p:cNvPr id="2" name="標題 1"/>
+          <p:cNvSpPr>
+            <a:spLocks noGrp="1"/>
+          </p:cNvSpPr>
+          <p:nvPr>
+            <p:ph type="title"/>
+          </p:nvPr>
+        </p:nvSpPr>
+        <p:spPr/>
+        <p:txBody>
+          <a:bodyPr/>
+          <a:lstStyle/>
+          <a:p>
+            <a:r>
+              <a:rPr lang="en-US" altLang="zh-TW" dirty="0">
+                <a:effectLst/>
+              </a:rPr>
+              <a:t>Abstract Syntax </a:t>
+            </a:r>
+            <a:r>
+              <a:rPr lang="en-US" altLang="zh-TW" dirty="0" smtClean="0">
+                <a:effectLst/>
+              </a:rPr>
+              <a:t>Tree(</a:t>
+            </a:r>
+            <a:r>
+              <a:rPr lang="en-US" altLang="zh-TW" dirty="0" smtClean="0"/>
+              <a:t>AST) </a:t>
+            </a:r>
+            <a:endParaRPr lang="zh-TW" altLang="en-US" dirty="0"/>
+          </a:p>
+        </p:txBody>
+      </p:sp>
+      <p:sp>
+        <p:nvSpPr>
+          <p:cNvPr id="3" name="內容版面配置區 2"/>
+          <p:cNvSpPr>
+            <a:spLocks noGrp="1"/>
+          </p:cNvSpPr>
+          <p:nvPr>
+            <p:ph idx="1"/>
+          </p:nvPr>
+        </p:nvSpPr>
+        <p:spPr>
+          <a:xfrm>
+            <a:off x="457200" y="1988840"/>
+            <a:ext cx="8229600" cy="1612776"/>
+          </a:xfrm>
+        </p:spPr>
+        <p:txBody>
+          <a:bodyPr/>
+          <a:lstStyle/>
+          <a:p>
+            <a:r>
+              <a:rPr lang="zh-TW" altLang="zh-TW" dirty="0"/>
+              <a:t>程式碼解析成以樹狀結構來表示的抽象語法</a:t>
+            </a:r>
+            <a:r>
+              <a:rPr lang="zh-TW" altLang="zh-TW" dirty="0" smtClean="0"/>
+              <a:t>結構</a:t>
+            </a:r>
+            <a:r>
+              <a:rPr lang="zh-TW" altLang="en-US" dirty="0"/>
+              <a:t>，</a:t>
+            </a:r>
+            <a:r>
+              <a:rPr lang="zh-TW" altLang="zh-TW" dirty="0" smtClean="0"/>
+              <a:t>樹</a:t>
+            </a:r>
+            <a:r>
+              <a:rPr lang="zh-TW" altLang="zh-TW" dirty="0"/>
+              <a:t>上的每一個節點都對應程式碼中的一種</a:t>
+            </a:r>
+            <a:r>
+              <a:rPr lang="zh-TW" altLang="zh-TW" dirty="0" smtClean="0"/>
+              <a:t>結構</a:t>
+            </a:r>
+            <a:endParaRPr lang="en-US" altLang="zh-TW" dirty="0"/>
+          </a:p>
+          <a:p>
+            <a:r>
+              <a:rPr lang="en-US" altLang="zh-TW" dirty="0" smtClean="0"/>
+              <a:t>Eclipse JDT</a:t>
+            </a:r>
+            <a:r>
+              <a:rPr lang="zh-TW" altLang="en-US" dirty="0" smtClean="0"/>
+              <a:t>中提供</a:t>
+            </a:r>
+            <a:r>
+              <a:rPr lang="en-US" altLang="zh-TW" dirty="0" err="1" smtClean="0"/>
+              <a:t>ASTParser</a:t>
+            </a:r>
+            <a:r>
+              <a:rPr lang="zh-TW" altLang="en-US" dirty="0" smtClean="0"/>
+              <a:t>、</a:t>
+            </a:r>
+            <a:r>
+              <a:rPr lang="en-US" altLang="zh-TW" dirty="0"/>
+              <a:t> </a:t>
+            </a:r>
+            <a:r>
+              <a:rPr lang="en-US" altLang="zh-TW" dirty="0" err="1" smtClean="0"/>
+              <a:t>ASTVisitor</a:t>
+            </a:r>
+            <a:r>
+              <a:rPr lang="zh-TW" altLang="en-US" dirty="0" smtClean="0"/>
+              <a:t>供開發者使用</a:t>
+            </a:r>
+            <a:endParaRPr lang="en-US" altLang="zh-TW" dirty="0" smtClean="0"/>
+          </a:p>
+        </p:txBody>
+      </p:sp>
+      <p:sp>
+        <p:nvSpPr>
+          <p:cNvPr id="4" name="日期版面配置區 3"/>
+          <p:cNvSpPr>
+            <a:spLocks noGrp="1"/>
+          </p:cNvSpPr>
+          <p:nvPr>
+            <p:ph type="dt" sz="half" idx="10"/>
+          </p:nvPr>
+        </p:nvSpPr>
+        <p:spPr/>
+        <p:txBody>
+          <a:bodyPr/>
+          <a:lstStyle/>
+          <a:p>
+            <a:pPr>
+              <a:defRPr/>
+            </a:pPr>
+            <a:fld id="{EAFA5826-B682-454B-8A20-4501725C21E3}" type="datetime1">
+              <a:rPr lang="zh-TW" altLang="en-US" smtClean="0"/>
+              <a:pPr>
+                <a:defRPr/>
+              </a:pPr>
+              <a:t>2018/6/4</a:t>
+            </a:fld>
+            <a:endParaRPr lang="zh-TW" altLang="en-US"/>
+          </a:p>
+        </p:txBody>
+      </p:sp>
+      <p:sp>
+        <p:nvSpPr>
+          <p:cNvPr id="5" name="頁尾版面配置區 4"/>
+          <p:cNvSpPr>
+            <a:spLocks noGrp="1"/>
+          </p:cNvSpPr>
+          <p:nvPr>
+            <p:ph type="ftr" sz="quarter" idx="11"/>
+          </p:nvPr>
+        </p:nvSpPr>
+        <p:spPr/>
+        <p:txBody>
+          <a:bodyPr/>
+          <a:lstStyle/>
+          <a:p>
+            <a:pPr>
+              <a:defRPr/>
+            </a:pPr>
+            <a:r>
+              <a:rPr lang="zh-TW" altLang="en-US" smtClean="0"/>
+              <a:t>軟體系統實驗室</a:t>
+            </a:r>
+            <a:endParaRPr lang="zh-TW" altLang="en-US"/>
+          </a:p>
+        </p:txBody>
+      </p:sp>
+      <p:sp>
+        <p:nvSpPr>
+          <p:cNvPr id="6" name="投影片編號版面配置區 5"/>
+          <p:cNvSpPr>
+            <a:spLocks noGrp="1"/>
+          </p:cNvSpPr>
+          <p:nvPr>
+            <p:ph type="sldNum" sz="quarter" idx="12"/>
+          </p:nvPr>
+        </p:nvSpPr>
+        <p:spPr/>
+        <p:txBody>
+          <a:bodyPr/>
+          <a:lstStyle/>
+          <a:p>
+            <a:fld id="{75A2A58D-E85D-4719-B617-A12C5B989F66}" type="slidenum">
+              <a:rPr lang="zh-TW" altLang="en-US" smtClean="0"/>
+              <a:pPr/>
+              <a:t>10</a:t>
+            </a:fld>
+            <a:endParaRPr lang="zh-TW" altLang="en-US"/>
+          </a:p>
+        </p:txBody>
+      </p:sp>
+    </p:spTree>
+    <p:extLst>
+      <p:ext uri="{BB962C8B-B14F-4D97-AF65-F5344CB8AC3E}">
+        <p14:creationId xmlns:p14="http://schemas.microsoft.com/office/powerpoint/2010/main" val="122690746"/>
+      </p:ext>
+    </p:extLst>
+  </p:cSld>
+  <p:clrMapOvr>
+    <a:masterClrMapping/>
+  </p:clrMapOvr>
+  <p:timing>
+    <p:tnLst>
+      <p:par>
+        <p:cTn id="1" dur="indefinite" restart="never" nodeType="tmRoot"/>
+      </p:par>
+    </p:tnLst>
+  </p:timing>
+</p:sld>
+</file>
+
+<file path=ppt/slides/slide11.xml><?xml version="1.0" encoding="utf-8"?>
+<p:sld xmlns:a="http://schemas.openxmlformats.org/drawingml/2006/main" xmlns:r="http://schemas.openxmlformats.org/officeDocument/2006/relationships" xmlns:p="http://schemas.openxmlformats.org/presentationml/2006/main">
+  <p:cSld>
+    <p:spTree>
+      <p:nvGrpSpPr>
+        <p:cNvPr id="1" name=""/>
+        <p:cNvGrpSpPr/>
+        <p:nvPr/>
+      </p:nvGrpSpPr>
+      <p:grpSpPr>
+        <a:xfrm>
+          <a:off x="0" y="0"/>
+          <a:ext cx="0" cy="0"/>
+          <a:chOff x="0" y="0"/>
+          <a:chExt cx="0" cy="0"/>
+        </a:xfrm>
+      </p:grpSpPr>
+      <p:sp>
+        <p:nvSpPr>
+          <p:cNvPr id="2" name="標題 1"/>
+          <p:cNvSpPr>
+            <a:spLocks noGrp="1"/>
+          </p:cNvSpPr>
+          <p:nvPr>
+            <p:ph type="title"/>
+          </p:nvPr>
+        </p:nvSpPr>
+        <p:spPr/>
+        <p:txBody>
+          <a:bodyPr/>
+          <a:lstStyle/>
+          <a:p>
+            <a:r>
+              <a:rPr lang="en-US" altLang="zh-TW" dirty="0">
+                <a:effectLst/>
+              </a:rPr>
+              <a:t>Abstract Syntax Tree(</a:t>
+            </a:r>
+            <a:r>
+              <a:rPr lang="en-US" altLang="zh-TW" dirty="0"/>
+              <a:t>AST) </a:t>
+            </a:r>
+            <a:endParaRPr lang="zh-TW" altLang="en-US" dirty="0"/>
+          </a:p>
+        </p:txBody>
+      </p:sp>
+      <p:sp>
+        <p:nvSpPr>
+          <p:cNvPr id="4" name="日期版面配置區 3"/>
+          <p:cNvSpPr>
+            <a:spLocks noGrp="1"/>
+          </p:cNvSpPr>
+          <p:nvPr>
+            <p:ph type="dt" sz="half" idx="10"/>
+          </p:nvPr>
+        </p:nvSpPr>
+        <p:spPr/>
+        <p:txBody>
+          <a:bodyPr/>
+          <a:lstStyle/>
+          <a:p>
+            <a:pPr>
+              <a:defRPr/>
+            </a:pPr>
+            <a:fld id="{EAFA5826-B682-454B-8A20-4501725C21E3}" type="datetime1">
+              <a:rPr lang="zh-TW" altLang="en-US" smtClean="0"/>
+              <a:pPr>
+                <a:defRPr/>
+              </a:pPr>
+              <a:t>2018/6/4</a:t>
+            </a:fld>
+            <a:endParaRPr lang="zh-TW" altLang="en-US"/>
+          </a:p>
+        </p:txBody>
+      </p:sp>
+      <p:sp>
+        <p:nvSpPr>
+          <p:cNvPr id="5" name="頁尾版面配置區 4"/>
+          <p:cNvSpPr>
+            <a:spLocks noGrp="1"/>
+          </p:cNvSpPr>
+          <p:nvPr>
+            <p:ph type="ftr" sz="quarter" idx="11"/>
+          </p:nvPr>
+        </p:nvSpPr>
+        <p:spPr/>
+        <p:txBody>
+          <a:bodyPr/>
+          <a:lstStyle/>
+          <a:p>
+            <a:pPr>
+              <a:defRPr/>
+            </a:pPr>
+            <a:r>
+              <a:rPr lang="zh-TW" altLang="en-US" smtClean="0"/>
+              <a:t>軟體系統實驗室</a:t>
+            </a:r>
+            <a:endParaRPr lang="zh-TW" altLang="en-US"/>
+          </a:p>
+        </p:txBody>
+      </p:sp>
+      <p:sp>
+        <p:nvSpPr>
+          <p:cNvPr id="6" name="投影片編號版面配置區 5"/>
+          <p:cNvSpPr>
+            <a:spLocks noGrp="1"/>
+          </p:cNvSpPr>
+          <p:nvPr>
+            <p:ph type="sldNum" sz="quarter" idx="12"/>
+          </p:nvPr>
+        </p:nvSpPr>
+        <p:spPr/>
+        <p:txBody>
+          <a:bodyPr/>
+          <a:lstStyle/>
+          <a:p>
+            <a:fld id="{75A2A58D-E85D-4719-B617-A12C5B989F66}" type="slidenum">
+              <a:rPr lang="zh-TW" altLang="en-US" smtClean="0"/>
+              <a:pPr/>
+              <a:t>11</a:t>
+            </a:fld>
+            <a:endParaRPr lang="zh-TW" altLang="en-US"/>
+          </a:p>
+        </p:txBody>
+      </p:sp>
+      <p:pic>
+        <p:nvPicPr>
+          <p:cNvPr id="9" name="內容版面配置區 8"/>
+          <p:cNvPicPr>
+            <a:picLocks noGrp="1"/>
+          </p:cNvPicPr>
+          <p:nvPr>
+            <p:ph idx="1"/>
+          </p:nvPr>
+        </p:nvPicPr>
+        <p:blipFill>
+          <a:blip r:embed="rId2">
+            <a:extLst>
+              <a:ext uri="{28A0092B-C50C-407E-A947-70E740481C1C}">
+                <a14:useLocalDpi xmlns:a14="http://schemas.microsoft.com/office/drawing/2010/main" val="0"/>
+              </a:ext>
+            </a:extLst>
+          </a:blip>
+          <a:srcRect/>
+          <a:stretch>
+            <a:fillRect/>
+          </a:stretch>
+        </p:blipFill>
+        <p:spPr bwMode="auto">
+          <a:xfrm>
+            <a:off x="693084" y="2377152"/>
+            <a:ext cx="7757832" cy="2972058"/>
+          </a:xfrm>
+          <a:prstGeom prst="rect">
+            <a:avLst/>
+          </a:prstGeom>
+          <a:noFill/>
+          <a:ln>
+            <a:noFill/>
+          </a:ln>
+        </p:spPr>
+      </p:pic>
+      <p:sp>
+        <p:nvSpPr>
+          <p:cNvPr id="10" name="向右箭號 9"/>
+          <p:cNvSpPr/>
+          <p:nvPr/>
+        </p:nvSpPr>
+        <p:spPr>
+          <a:xfrm rot="19113421">
+            <a:off x="4211080" y="2716782"/>
+            <a:ext cx="1039207" cy="301829"/>
+          </a:xfrm>
+          <a:prstGeom prst="rightArrow">
+            <a:avLst/>
+          </a:prstGeom>
+          <a:solidFill>
+            <a:srgbClr val="FF0000"/>
+          </a:solidFill>
+        </p:spPr>
+        <p:style>
+          <a:lnRef idx="1">
+            <a:schemeClr val="accent2"/>
+          </a:lnRef>
+          <a:fillRef idx="3">
+            <a:schemeClr val="accent2"/>
+          </a:fillRef>
+          <a:effectRef idx="2">
+            <a:schemeClr val="accent2"/>
+          </a:effectRef>
+          <a:fontRef idx="minor">
+            <a:schemeClr val="lt1"/>
+          </a:fontRef>
+        </p:style>
+        <p:txBody>
+          <a:bodyPr rot="0" spcFirstLastPara="0" vert="horz" wrap="square" lIns="91440" tIns="45720" rIns="91440" bIns="45720" numCol="1" spcCol="0" rtlCol="0" fromWordArt="0" anchor="ctr" anchorCtr="0" forceAA="0" compatLnSpc="1">
+            <a:prstTxWarp prst="textNoShape">
+              <a:avLst/>
+            </a:prstTxWarp>
+            <a:noAutofit/>
+          </a:bodyPr>
+          <a:lstStyle/>
+          <a:p>
+            <a:endParaRPr lang="zh-TW" altLang="en-US"/>
+          </a:p>
+        </p:txBody>
+      </p:sp>
+      <p:sp>
+        <p:nvSpPr>
+          <p:cNvPr id="11" name="向右箭號 10"/>
+          <p:cNvSpPr/>
+          <p:nvPr/>
+        </p:nvSpPr>
+        <p:spPr>
+          <a:xfrm rot="1174976">
+            <a:off x="2515945" y="4293102"/>
+            <a:ext cx="3635947" cy="358775"/>
+          </a:xfrm>
+          <a:prstGeom prst="rightArrow">
+            <a:avLst>
+              <a:gd name="adj1" fmla="val 24811"/>
+              <a:gd name="adj2" fmla="val 50000"/>
+            </a:avLst>
+          </a:prstGeom>
+          <a:solidFill>
+            <a:srgbClr val="0070C0"/>
+          </a:solidFill>
+        </p:spPr>
+        <p:style>
+          <a:lnRef idx="1">
+            <a:schemeClr val="accent2"/>
+          </a:lnRef>
+          <a:fillRef idx="3">
+            <a:schemeClr val="accent2"/>
+          </a:fillRef>
+          <a:effectRef idx="2">
+            <a:schemeClr val="accent2"/>
+          </a:effectRef>
+          <a:fontRef idx="minor">
+            <a:schemeClr val="lt1"/>
+          </a:fontRef>
+        </p:style>
+        <p:txBody>
+          <a:bodyPr rot="0" spcFirstLastPara="0" vert="horz" wrap="square" lIns="91440" tIns="45720" rIns="91440" bIns="45720" numCol="1" spcCol="0" rtlCol="0" fromWordArt="0" anchor="ctr" anchorCtr="0" forceAA="0" compatLnSpc="1">
+            <a:prstTxWarp prst="textNoShape">
+              <a:avLst/>
+            </a:prstTxWarp>
+            <a:noAutofit/>
+          </a:bodyPr>
+          <a:lstStyle/>
+          <a:p>
+            <a:endParaRPr lang="zh-TW" altLang="en-US"/>
+          </a:p>
+        </p:txBody>
+      </p:sp>
+    </p:spTree>
+    <p:extLst>
+      <p:ext uri="{BB962C8B-B14F-4D97-AF65-F5344CB8AC3E}">
+        <p14:creationId xmlns:p14="http://schemas.microsoft.com/office/powerpoint/2010/main" val="3279879388"/>
+      </p:ext>
+    </p:extLst>
+  </p:cSld>
+  <p:clrMapOvr>
+    <a:masterClrMapping/>
+  </p:clrMapOvr>
+  <p:timing>
+    <p:tnLst>
+      <p:par>
+        <p:cTn id="1" dur="indefinite" restart="never" nodeType="tmRoot"/>
+      </p:par>
+    </p:tnLst>
+  </p:timing>
+</p:sld>
+</file>
+
+<file path=ppt/slides/slide12.xml><?xml version="1.0" encoding="utf-8"?>
+<p:sld xmlns:a="http://schemas.openxmlformats.org/drawingml/2006/main" xmlns:r="http://schemas.openxmlformats.org/officeDocument/2006/relationships" xmlns:p="http://schemas.openxmlformats.org/presentationml/2006/main">
+  <p:cSld>
+    <p:spTree>
+      <p:nvGrpSpPr>
+        <p:cNvPr id="1" name=""/>
+        <p:cNvGrpSpPr/>
+        <p:nvPr/>
+      </p:nvGrpSpPr>
+      <p:grpSpPr>
+        <a:xfrm>
+          <a:off x="0" y="0"/>
+          <a:ext cx="0" cy="0"/>
+          <a:chOff x="0" y="0"/>
+          <a:chExt cx="0" cy="0"/>
+        </a:xfrm>
+      </p:grpSpPr>
+      <p:sp>
+        <p:nvSpPr>
+          <p:cNvPr id="2" name="標題 1"/>
+          <p:cNvSpPr>
+            <a:spLocks noGrp="1"/>
+          </p:cNvSpPr>
+          <p:nvPr>
+            <p:ph type="title"/>
+          </p:nvPr>
+        </p:nvSpPr>
+        <p:spPr/>
+        <p:txBody>
+          <a:bodyPr/>
+          <a:lstStyle/>
+          <a:p>
+            <a:r>
+              <a:rPr lang="en-US" altLang="zh-TW" dirty="0" err="1" smtClean="0"/>
+              <a:t>AspectJ</a:t>
+            </a:r>
+            <a:endParaRPr lang="zh-TW" altLang="en-US" dirty="0"/>
+          </a:p>
+        </p:txBody>
+      </p:sp>
+      <p:sp>
+        <p:nvSpPr>
+          <p:cNvPr id="3" name="內容版面配置區 2"/>
+          <p:cNvSpPr>
+            <a:spLocks noGrp="1"/>
+          </p:cNvSpPr>
+          <p:nvPr>
+            <p:ph idx="1"/>
+          </p:nvPr>
+        </p:nvSpPr>
+        <p:spPr/>
+        <p:txBody>
+          <a:bodyPr/>
+          <a:lstStyle/>
+          <a:p>
+            <a:pPr marL="0" indent="0">
+              <a:buNone/>
+            </a:pPr>
+            <a:r>
+              <a:rPr lang="en-US" altLang="zh-TW" dirty="0" smtClean="0"/>
+              <a:t>    </a:t>
+            </a:r>
+            <a:r>
+              <a:rPr lang="zh-TW" altLang="zh-TW" dirty="0" smtClean="0"/>
+              <a:t>基於</a:t>
+            </a:r>
+            <a:r>
+              <a:rPr lang="en-US" altLang="zh-TW" dirty="0"/>
+              <a:t>Java</a:t>
+            </a:r>
+            <a:r>
+              <a:rPr lang="zh-TW" altLang="zh-TW" dirty="0"/>
+              <a:t>實做</a:t>
+            </a:r>
+            <a:r>
+              <a:rPr lang="en-US" altLang="zh-TW" dirty="0"/>
+              <a:t>Aspect-Oriented Programming</a:t>
+            </a:r>
+            <a:r>
+              <a:rPr lang="zh-TW" altLang="zh-TW" dirty="0"/>
+              <a:t>的程式</a:t>
+            </a:r>
+            <a:r>
+              <a:rPr lang="zh-TW" altLang="zh-TW" dirty="0" smtClean="0"/>
+              <a:t>語言</a:t>
+            </a:r>
+            <a:endParaRPr lang="en-US" altLang="zh-TW" dirty="0" smtClean="0"/>
+          </a:p>
+          <a:p>
+            <a:r>
+              <a:rPr lang="zh-TW" altLang="zh-TW" dirty="0" smtClean="0"/>
+              <a:t>不</a:t>
+            </a:r>
+            <a:r>
+              <a:rPr lang="zh-TW" altLang="zh-TW" dirty="0"/>
+              <a:t>改動原有的程式碼下，額外增加原始碼的行為或改變狀態。</a:t>
+            </a:r>
+            <a:endParaRPr lang="zh-TW" altLang="en-US" dirty="0"/>
+          </a:p>
+        </p:txBody>
+      </p:sp>
+      <p:sp>
+        <p:nvSpPr>
+          <p:cNvPr id="4" name="日期版面配置區 3"/>
+          <p:cNvSpPr>
+            <a:spLocks noGrp="1"/>
+          </p:cNvSpPr>
+          <p:nvPr>
+            <p:ph type="dt" sz="half" idx="10"/>
+          </p:nvPr>
+        </p:nvSpPr>
+        <p:spPr/>
+        <p:txBody>
+          <a:bodyPr/>
+          <a:lstStyle/>
+          <a:p>
+            <a:pPr>
+              <a:defRPr/>
+            </a:pPr>
+            <a:fld id="{EAFA5826-B682-454B-8A20-4501725C21E3}" type="datetime1">
+              <a:rPr lang="zh-TW" altLang="en-US" smtClean="0"/>
+              <a:pPr>
+                <a:defRPr/>
+              </a:pPr>
+              <a:t>2018/6/4</a:t>
+            </a:fld>
+            <a:endParaRPr lang="zh-TW" altLang="en-US"/>
+          </a:p>
+        </p:txBody>
+      </p:sp>
+      <p:sp>
+        <p:nvSpPr>
+          <p:cNvPr id="5" name="頁尾版面配置區 4"/>
+          <p:cNvSpPr>
+            <a:spLocks noGrp="1"/>
+          </p:cNvSpPr>
+          <p:nvPr>
+            <p:ph type="ftr" sz="quarter" idx="11"/>
+          </p:nvPr>
+        </p:nvSpPr>
+        <p:spPr/>
+        <p:txBody>
+          <a:bodyPr/>
+          <a:lstStyle/>
+          <a:p>
+            <a:pPr>
+              <a:defRPr/>
+            </a:pPr>
+            <a:r>
+              <a:rPr lang="zh-TW" altLang="en-US" smtClean="0"/>
+              <a:t>軟體系統實驗室</a:t>
+            </a:r>
+            <a:endParaRPr lang="zh-TW" altLang="en-US"/>
+          </a:p>
+        </p:txBody>
+      </p:sp>
+      <p:sp>
+        <p:nvSpPr>
+          <p:cNvPr id="6" name="投影片編號版面配置區 5"/>
+          <p:cNvSpPr>
+            <a:spLocks noGrp="1"/>
+          </p:cNvSpPr>
+          <p:nvPr>
+            <p:ph type="sldNum" sz="quarter" idx="12"/>
+          </p:nvPr>
+        </p:nvSpPr>
+        <p:spPr/>
+        <p:txBody>
+          <a:bodyPr/>
+          <a:lstStyle/>
+          <a:p>
+            <a:fld id="{75A2A58D-E85D-4719-B617-A12C5B989F66}" type="slidenum">
+              <a:rPr lang="zh-TW" altLang="en-US" smtClean="0"/>
+              <a:pPr/>
+              <a:t>12</a:t>
+            </a:fld>
+            <a:endParaRPr lang="zh-TW" altLang="en-US"/>
+          </a:p>
+        </p:txBody>
+      </p:sp>
+    </p:spTree>
+    <p:extLst>
+      <p:ext uri="{BB962C8B-B14F-4D97-AF65-F5344CB8AC3E}">
+        <p14:creationId xmlns:p14="http://schemas.microsoft.com/office/powerpoint/2010/main" val="3490542211"/>
+      </p:ext>
+    </p:extLst>
+  </p:cSld>
+  <p:clrMapOvr>
+    <a:masterClrMapping/>
+  </p:clrMapOvr>
+  <p:timing>
+    <p:tnLst>
+      <p:par>
+        <p:cTn id="1" dur="indefinite" restart="never" nodeType="tmRoot"/>
+      </p:par>
+    </p:tnLst>
+  </p:timing>
+</p:sld>
+</file>
+
+<file path=ppt/slides/slide13.xml><?xml version="1.0" encoding="utf-8"?>
+<p:sld xmlns:a="http://schemas.openxmlformats.org/drawingml/2006/main" xmlns:r="http://schemas.openxmlformats.org/officeDocument/2006/relationships" xmlns:p="http://schemas.openxmlformats.org/presentationml/2006/main">
+  <p:cSld>
+    <p:spTree>
+      <p:nvGrpSpPr>
+        <p:cNvPr id="1" name=""/>
+        <p:cNvGrpSpPr/>
+        <p:nvPr/>
+      </p:nvGrpSpPr>
+      <p:grpSpPr>
+        <a:xfrm>
+          <a:off x="0" y="0"/>
+          <a:ext cx="0" cy="0"/>
+          <a:chOff x="0" y="0"/>
+          <a:chExt cx="0" cy="0"/>
+        </a:xfrm>
+      </p:grpSpPr>
+      <p:sp>
+        <p:nvSpPr>
+          <p:cNvPr id="2" name="標題 1"/>
+          <p:cNvSpPr>
+            <a:spLocks noGrp="1"/>
+          </p:cNvSpPr>
+          <p:nvPr>
+            <p:ph type="title"/>
+          </p:nvPr>
+        </p:nvSpPr>
+        <p:spPr/>
+        <p:txBody>
+          <a:bodyPr/>
+          <a:lstStyle/>
+          <a:p>
+            <a:r>
+              <a:rPr lang="en-US" altLang="zh-TW" dirty="0" err="1"/>
+              <a:t>AspectJ</a:t>
+            </a:r>
+            <a:endParaRPr lang="zh-TW" altLang="en-US" dirty="0"/>
+          </a:p>
+        </p:txBody>
+      </p:sp>
+      <p:sp>
+        <p:nvSpPr>
+          <p:cNvPr id="4" name="日期版面配置區 3"/>
+          <p:cNvSpPr>
+            <a:spLocks noGrp="1"/>
+          </p:cNvSpPr>
+          <p:nvPr>
+            <p:ph type="dt" sz="half" idx="10"/>
+          </p:nvPr>
+        </p:nvSpPr>
+        <p:spPr/>
+        <p:txBody>
+          <a:bodyPr/>
+          <a:lstStyle/>
+          <a:p>
+            <a:pPr>
+              <a:defRPr/>
+            </a:pPr>
+            <a:fld id="{EAFA5826-B682-454B-8A20-4501725C21E3}" type="datetime1">
+              <a:rPr lang="zh-TW" altLang="en-US" smtClean="0"/>
+              <a:pPr>
+                <a:defRPr/>
+              </a:pPr>
+              <a:t>2018/6/4</a:t>
+            </a:fld>
+            <a:endParaRPr lang="zh-TW" altLang="en-US"/>
+          </a:p>
+        </p:txBody>
+      </p:sp>
+      <p:sp>
+        <p:nvSpPr>
+          <p:cNvPr id="5" name="頁尾版面配置區 4"/>
+          <p:cNvSpPr>
+            <a:spLocks noGrp="1"/>
+          </p:cNvSpPr>
+          <p:nvPr>
+            <p:ph type="ftr" sz="quarter" idx="11"/>
+          </p:nvPr>
+        </p:nvSpPr>
+        <p:spPr/>
+        <p:txBody>
+          <a:bodyPr/>
+          <a:lstStyle/>
+          <a:p>
+            <a:pPr>
+              <a:defRPr/>
+            </a:pPr>
+            <a:r>
+              <a:rPr lang="zh-TW" altLang="en-US" smtClean="0"/>
+              <a:t>軟體系統實驗室</a:t>
+            </a:r>
+            <a:endParaRPr lang="zh-TW" altLang="en-US"/>
+          </a:p>
+        </p:txBody>
+      </p:sp>
+      <p:sp>
+        <p:nvSpPr>
+          <p:cNvPr id="6" name="投影片編號版面配置區 5"/>
+          <p:cNvSpPr>
+            <a:spLocks noGrp="1"/>
+          </p:cNvSpPr>
+          <p:nvPr>
+            <p:ph type="sldNum" sz="quarter" idx="12"/>
+          </p:nvPr>
+        </p:nvSpPr>
+        <p:spPr/>
+        <p:txBody>
+          <a:bodyPr/>
+          <a:lstStyle/>
+          <a:p>
+            <a:fld id="{75A2A58D-E85D-4719-B617-A12C5B989F66}" type="slidenum">
+              <a:rPr lang="zh-TW" altLang="en-US" smtClean="0"/>
+              <a:pPr/>
+              <a:t>13</a:t>
+            </a:fld>
+            <a:endParaRPr lang="zh-TW" altLang="en-US"/>
+          </a:p>
+        </p:txBody>
+      </p:sp>
+      <p:pic>
+        <p:nvPicPr>
+          <p:cNvPr id="9" name="圖片 8"/>
+          <p:cNvPicPr>
+            <a:picLocks noChangeAspect="1"/>
+          </p:cNvPicPr>
+          <p:nvPr/>
+        </p:nvPicPr>
+        <p:blipFill>
+          <a:blip r:embed="rId2"/>
+          <a:stretch>
+            <a:fillRect/>
+          </a:stretch>
+        </p:blipFill>
+        <p:spPr>
+          <a:xfrm>
+            <a:off x="179512" y="1503179"/>
+            <a:ext cx="8964488" cy="1467833"/>
+          </a:xfrm>
+          <a:prstGeom prst="rect">
+            <a:avLst/>
+          </a:prstGeom>
+        </p:spPr>
+      </p:pic>
+      <p:sp>
+        <p:nvSpPr>
+          <p:cNvPr id="10" name="矩形 9"/>
+          <p:cNvSpPr/>
+          <p:nvPr/>
+        </p:nvSpPr>
+        <p:spPr>
+          <a:xfrm>
+            <a:off x="2212457" y="3212976"/>
+            <a:ext cx="4572000" cy="2031325"/>
+          </a:xfrm>
+          <a:prstGeom prst="rect">
+            <a:avLst/>
+          </a:prstGeom>
+        </p:spPr>
+        <p:txBody>
+          <a:bodyPr>
+            <a:spAutoFit/>
+          </a:bodyPr>
+          <a:lstStyle/>
+          <a:p>
+            <a:pPr marL="342900" lvl="0" indent="-342900">
+              <a:spcAft>
+                <a:spcPts val="0"/>
+              </a:spcAft>
+              <a:buFont typeface="Wingdings" panose="05000000000000000000" pitchFamily="2" charset="2"/>
+              <a:buChar char=""/>
+            </a:pPr>
+            <a:r>
+              <a:rPr lang="zh-TW" altLang="zh-TW" kern="100" dirty="0" smtClean="0">
+                <a:solidFill>
+                  <a:schemeClr val="tx2">
+                    <a:lumMod val="75000"/>
+                  </a:schemeClr>
+                </a:solidFill>
+                <a:effectLst/>
+                <a:latin typeface="Times New Roman" panose="02020603050405020304" pitchFamily="18" charset="0"/>
+                <a:ea typeface="標楷體" panose="03000509000000000000" pitchFamily="65" charset="-120"/>
+                <a:cs typeface="Times New Roman" panose="02020603050405020304" pitchFamily="18" charset="0"/>
+              </a:rPr>
+              <a:t>時機點</a:t>
+            </a:r>
+            <a:r>
+              <a:rPr lang="en-US" altLang="zh-TW" kern="100" dirty="0" smtClean="0">
+                <a:solidFill>
+                  <a:schemeClr val="tx2">
+                    <a:lumMod val="75000"/>
+                  </a:schemeClr>
+                </a:solidFill>
+                <a:effectLst/>
+                <a:latin typeface="Times New Roman" panose="02020603050405020304" pitchFamily="18" charset="0"/>
+                <a:ea typeface="標楷體" panose="03000509000000000000" pitchFamily="65" charset="-120"/>
+                <a:cs typeface="Times New Roman" panose="02020603050405020304" pitchFamily="18" charset="0"/>
+              </a:rPr>
+              <a:t>:before</a:t>
+            </a:r>
+            <a:r>
+              <a:rPr lang="zh-TW" altLang="zh-TW" kern="100" dirty="0" smtClean="0">
+                <a:solidFill>
+                  <a:schemeClr val="tx2">
+                    <a:lumMod val="75000"/>
+                  </a:schemeClr>
+                </a:solidFill>
+                <a:effectLst/>
+                <a:latin typeface="Times New Roman" panose="02020603050405020304" pitchFamily="18" charset="0"/>
+                <a:ea typeface="標楷體" panose="03000509000000000000" pitchFamily="65" charset="-120"/>
+                <a:cs typeface="Times New Roman" panose="02020603050405020304" pitchFamily="18" charset="0"/>
+              </a:rPr>
+              <a:t>表示在執行目標函式前我們會嵌入</a:t>
+            </a:r>
+            <a:r>
+              <a:rPr lang="en-US" altLang="zh-TW" kern="100" dirty="0" err="1" smtClean="0">
+                <a:solidFill>
+                  <a:schemeClr val="tx2">
+                    <a:lumMod val="75000"/>
+                  </a:schemeClr>
+                </a:solidFill>
+                <a:effectLst/>
+                <a:latin typeface="Times New Roman" panose="02020603050405020304" pitchFamily="18" charset="0"/>
+                <a:ea typeface="標楷體" panose="03000509000000000000" pitchFamily="65" charset="-120"/>
+                <a:cs typeface="Times New Roman" panose="02020603050405020304" pitchFamily="18" charset="0"/>
+              </a:rPr>
+              <a:t>AspectJ</a:t>
+            </a:r>
+            <a:r>
+              <a:rPr lang="zh-TW" altLang="zh-TW" kern="100" dirty="0" smtClean="0">
+                <a:solidFill>
+                  <a:schemeClr val="tx2">
+                    <a:lumMod val="75000"/>
+                  </a:schemeClr>
+                </a:solidFill>
+                <a:effectLst/>
+                <a:latin typeface="Times New Roman" panose="02020603050405020304" pitchFamily="18" charset="0"/>
+                <a:ea typeface="標楷體" panose="03000509000000000000" pitchFamily="65" charset="-120"/>
+                <a:cs typeface="Times New Roman" panose="02020603050405020304" pitchFamily="18" charset="0"/>
+              </a:rPr>
+              <a:t>程式碼</a:t>
+            </a:r>
+          </a:p>
+          <a:p>
+            <a:pPr marL="342900" lvl="0" indent="-342900">
+              <a:spcAft>
+                <a:spcPts val="0"/>
+              </a:spcAft>
+              <a:buFont typeface="Wingdings" panose="05000000000000000000" pitchFamily="2" charset="2"/>
+              <a:buChar char=""/>
+            </a:pPr>
+            <a:r>
+              <a:rPr lang="zh-TW" altLang="zh-TW" kern="100" dirty="0" smtClean="0">
+                <a:solidFill>
+                  <a:schemeClr val="tx2">
+                    <a:lumMod val="75000"/>
+                  </a:schemeClr>
+                </a:solidFill>
+                <a:effectLst/>
+                <a:latin typeface="Times New Roman" panose="02020603050405020304" pitchFamily="18" charset="0"/>
+                <a:ea typeface="標楷體" panose="03000509000000000000" pitchFamily="65" charset="-120"/>
+                <a:cs typeface="Times New Roman" panose="02020603050405020304" pitchFamily="18" charset="0"/>
+              </a:rPr>
+              <a:t>目標</a:t>
+            </a:r>
+            <a:r>
+              <a:rPr lang="en-US" altLang="zh-TW" kern="100" dirty="0" smtClean="0">
+                <a:solidFill>
+                  <a:schemeClr val="tx2">
+                    <a:lumMod val="75000"/>
+                  </a:schemeClr>
+                </a:solidFill>
+                <a:effectLst/>
+                <a:latin typeface="Times New Roman" panose="02020603050405020304" pitchFamily="18" charset="0"/>
+                <a:ea typeface="標楷體" panose="03000509000000000000" pitchFamily="65" charset="-120"/>
+                <a:cs typeface="Times New Roman" panose="02020603050405020304" pitchFamily="18" charset="0"/>
+              </a:rPr>
+              <a:t>:Call</a:t>
+            </a:r>
+            <a:r>
+              <a:rPr lang="zh-TW" altLang="zh-TW" kern="100" dirty="0" smtClean="0">
+                <a:solidFill>
+                  <a:schemeClr val="tx2">
+                    <a:lumMod val="75000"/>
+                  </a:schemeClr>
+                </a:solidFill>
+                <a:effectLst/>
+                <a:latin typeface="Times New Roman" panose="02020603050405020304" pitchFamily="18" charset="0"/>
+                <a:ea typeface="標楷體" panose="03000509000000000000" pitchFamily="65" charset="-120"/>
+                <a:cs typeface="Times New Roman" panose="02020603050405020304" pitchFamily="18" charset="0"/>
+              </a:rPr>
+              <a:t>表示目標函式</a:t>
+            </a:r>
+          </a:p>
+          <a:p>
+            <a:pPr marL="342900" lvl="0" indent="-342900">
+              <a:spcAft>
+                <a:spcPts val="0"/>
+              </a:spcAft>
+              <a:buFont typeface="Wingdings" panose="05000000000000000000" pitchFamily="2" charset="2"/>
+              <a:buChar char=""/>
+            </a:pPr>
+            <a:r>
+              <a:rPr lang="zh-TW" altLang="zh-TW" kern="100" dirty="0" smtClean="0">
+                <a:solidFill>
+                  <a:schemeClr val="tx2">
+                    <a:lumMod val="75000"/>
+                  </a:schemeClr>
+                </a:solidFill>
+                <a:effectLst/>
+                <a:latin typeface="Times New Roman" panose="02020603050405020304" pitchFamily="18" charset="0"/>
+                <a:ea typeface="標楷體" panose="03000509000000000000" pitchFamily="65" charset="-120"/>
+                <a:cs typeface="Times New Roman" panose="02020603050405020304" pitchFamily="18" charset="0"/>
+              </a:rPr>
+              <a:t>目標所在位置</a:t>
+            </a:r>
+            <a:r>
+              <a:rPr lang="en-US" altLang="zh-TW" kern="100" dirty="0" smtClean="0">
+                <a:solidFill>
+                  <a:schemeClr val="tx2">
+                    <a:lumMod val="75000"/>
+                  </a:schemeClr>
+                </a:solidFill>
+                <a:effectLst/>
+                <a:latin typeface="Times New Roman" panose="02020603050405020304" pitchFamily="18" charset="0"/>
+                <a:ea typeface="標楷體" panose="03000509000000000000" pitchFamily="65" charset="-120"/>
+                <a:cs typeface="Times New Roman" panose="02020603050405020304" pitchFamily="18" charset="0"/>
+              </a:rPr>
+              <a:t>:</a:t>
+            </a:r>
+            <a:r>
+              <a:rPr lang="en-US" altLang="zh-TW" kern="100" dirty="0" err="1" smtClean="0">
+                <a:solidFill>
+                  <a:schemeClr val="tx2">
+                    <a:lumMod val="75000"/>
+                  </a:schemeClr>
+                </a:solidFill>
+                <a:effectLst/>
+                <a:latin typeface="Times New Roman" panose="02020603050405020304" pitchFamily="18" charset="0"/>
+                <a:ea typeface="標楷體" panose="03000509000000000000" pitchFamily="65" charset="-120"/>
+                <a:cs typeface="Times New Roman" panose="02020603050405020304" pitchFamily="18" charset="0"/>
+              </a:rPr>
+              <a:t>withincode</a:t>
+            </a:r>
+            <a:r>
+              <a:rPr lang="zh-TW" altLang="zh-TW" kern="100" dirty="0" smtClean="0">
+                <a:solidFill>
+                  <a:schemeClr val="tx2">
+                    <a:lumMod val="75000"/>
+                  </a:schemeClr>
+                </a:solidFill>
+                <a:effectLst/>
+                <a:latin typeface="Times New Roman" panose="02020603050405020304" pitchFamily="18" charset="0"/>
+                <a:ea typeface="標楷體" panose="03000509000000000000" pitchFamily="65" charset="-120"/>
+                <a:cs typeface="Times New Roman" panose="02020603050405020304" pitchFamily="18" charset="0"/>
+              </a:rPr>
+              <a:t>表示目標函式在檔案中的所在位置</a:t>
+            </a:r>
+          </a:p>
+          <a:p>
+            <a:pPr marL="342900" lvl="0" indent="-342900">
+              <a:spcAft>
+                <a:spcPts val="0"/>
+              </a:spcAft>
+              <a:buFont typeface="Wingdings" panose="05000000000000000000" pitchFamily="2" charset="2"/>
+              <a:buChar char=""/>
+            </a:pPr>
+            <a:r>
+              <a:rPr lang="zh-TW" altLang="zh-TW" kern="100" dirty="0" smtClean="0">
+                <a:solidFill>
+                  <a:schemeClr val="tx2">
+                    <a:lumMod val="75000"/>
+                  </a:schemeClr>
+                </a:solidFill>
+                <a:effectLst/>
+                <a:latin typeface="Times New Roman" panose="02020603050405020304" pitchFamily="18" charset="0"/>
+                <a:ea typeface="標楷體" panose="03000509000000000000" pitchFamily="65" charset="-120"/>
+                <a:cs typeface="Times New Roman" panose="02020603050405020304" pitchFamily="18" charset="0"/>
+              </a:rPr>
+              <a:t>嵌入內容</a:t>
+            </a:r>
+            <a:r>
+              <a:rPr lang="en-US" altLang="zh-TW" kern="100" dirty="0" smtClean="0">
+                <a:solidFill>
+                  <a:schemeClr val="tx2">
+                    <a:lumMod val="75000"/>
+                  </a:schemeClr>
+                </a:solidFill>
+                <a:effectLst/>
+                <a:latin typeface="Times New Roman" panose="02020603050405020304" pitchFamily="18" charset="0"/>
+                <a:ea typeface="標楷體" panose="03000509000000000000" pitchFamily="65" charset="-120"/>
+                <a:cs typeface="Times New Roman" panose="02020603050405020304" pitchFamily="18" charset="0"/>
+              </a:rPr>
+              <a:t>:</a:t>
+            </a:r>
+            <a:r>
+              <a:rPr lang="zh-TW" altLang="zh-TW" kern="100" dirty="0" smtClean="0">
+                <a:solidFill>
+                  <a:schemeClr val="tx2">
+                    <a:lumMod val="75000"/>
+                  </a:schemeClr>
+                </a:solidFill>
+                <a:effectLst/>
+                <a:latin typeface="Times New Roman" panose="02020603050405020304" pitchFamily="18" charset="0"/>
+                <a:ea typeface="標楷體" panose="03000509000000000000" pitchFamily="65" charset="-120"/>
+                <a:cs typeface="Times New Roman" panose="02020603050405020304" pitchFamily="18" charset="0"/>
+              </a:rPr>
+              <a:t>為我們利用</a:t>
+            </a:r>
+            <a:r>
+              <a:rPr lang="en-US" altLang="zh-TW" kern="100" dirty="0" err="1" smtClean="0">
+                <a:solidFill>
+                  <a:schemeClr val="tx2">
+                    <a:lumMod val="75000"/>
+                  </a:schemeClr>
+                </a:solidFill>
+                <a:effectLst/>
+                <a:latin typeface="Times New Roman" panose="02020603050405020304" pitchFamily="18" charset="0"/>
+                <a:ea typeface="標楷體" panose="03000509000000000000" pitchFamily="65" charset="-120"/>
+                <a:cs typeface="Times New Roman" panose="02020603050405020304" pitchFamily="18" charset="0"/>
+              </a:rPr>
+              <a:t>AspectJ</a:t>
+            </a:r>
+            <a:r>
+              <a:rPr lang="zh-TW" altLang="zh-TW" kern="100" dirty="0" smtClean="0">
+                <a:solidFill>
+                  <a:schemeClr val="tx2">
+                    <a:lumMod val="75000"/>
+                  </a:schemeClr>
+                </a:solidFill>
+                <a:effectLst/>
+                <a:latin typeface="Times New Roman" panose="02020603050405020304" pitchFamily="18" charset="0"/>
+                <a:ea typeface="標楷體" panose="03000509000000000000" pitchFamily="65" charset="-120"/>
+                <a:cs typeface="Times New Roman" panose="02020603050405020304" pitchFamily="18" charset="0"/>
+              </a:rPr>
+              <a:t>想嵌入的程式碼</a:t>
+            </a:r>
+            <a:endParaRPr lang="zh-TW" altLang="zh-TW" kern="100" dirty="0">
+              <a:solidFill>
+                <a:schemeClr val="tx2">
+                  <a:lumMod val="75000"/>
+                </a:schemeClr>
+              </a:solidFill>
+              <a:effectLst/>
+              <a:latin typeface="Times New Roman" panose="02020603050405020304" pitchFamily="18" charset="0"/>
+              <a:ea typeface="標楷體" panose="03000509000000000000" pitchFamily="65" charset="-120"/>
+              <a:cs typeface="Times New Roman" panose="02020603050405020304" pitchFamily="18" charset="0"/>
+            </a:endParaRPr>
+          </a:p>
+        </p:txBody>
+      </p:sp>
+      <p:pic>
+        <p:nvPicPr>
+          <p:cNvPr id="7" name="內容版面配置區 6"/>
+          <p:cNvPicPr>
+            <a:picLocks noGrp="1"/>
+          </p:cNvPicPr>
+          <p:nvPr>
+            <p:ph idx="1"/>
+          </p:nvPr>
+        </p:nvPicPr>
+        <p:blipFill>
+          <a:blip r:embed="rId3"/>
+          <a:stretch>
+            <a:fillRect/>
+          </a:stretch>
+        </p:blipFill>
+        <p:spPr>
+          <a:xfrm>
+            <a:off x="2045621" y="2536682"/>
+            <a:ext cx="4905672" cy="3611159"/>
+          </a:xfrm>
+          <a:prstGeom prst="rect">
+            <a:avLst/>
+          </a:prstGeom>
+          <a:ln w="28575">
+            <a:solidFill>
+              <a:srgbClr val="92D050"/>
+            </a:solidFill>
+          </a:ln>
+        </p:spPr>
+      </p:pic>
+    </p:spTree>
+    <p:extLst>
+      <p:ext uri="{BB962C8B-B14F-4D97-AF65-F5344CB8AC3E}">
+        <p14:creationId xmlns:p14="http://schemas.microsoft.com/office/powerpoint/2010/main" val="2569617743"/>
+      </p:ext>
+    </p:extLst>
+  </p:cSld>
+  <p:clrMapOvr>
+    <a:masterClrMapping/>
+  </p:clrMapOvr>
+  <p:timing>
+    <p:tnLst>
+      <p:par>
+        <p:cTn id="1" dur="indefinite" restart="never" nodeType="tmRoot">
+          <p:childTnLst>
+            <p:seq concurrent="1" nextAc="seek">
+              <p:cTn id="2" dur="indefinite" nodeType="mainSeq">
+                <p:childTnLst>
+                  <p:par>
+                    <p:cTn id="3" fill="hold">
+                      <p:stCondLst>
+                        <p:cond delay="indefinite"/>
+                      </p:stCondLst>
+                      <p:childTnLst>
+                        <p:par>
+                          <p:cTn id="4" fill="hold">
+                            <p:stCondLst>
+                              <p:cond delay="0"/>
+                            </p:stCondLst>
+                            <p:childTnLst>
+                              <p:par>
+                                <p:cTn id="5" presetID="1" presetClass="entr" presetSubtype="0" fill="hold" nodeType="clickEffect">
+                                  <p:stCondLst>
+                                    <p:cond delay="0"/>
+                                  </p:stCondLst>
+                                  <p:childTnLst>
+                                    <p:set>
+                                      <p:cBhvr>
+                                        <p:cTn id="6" dur="1" fill="hold">
+                                          <p:stCondLst>
+                                            <p:cond delay="0"/>
+                                          </p:stCondLst>
+                                        </p:cTn>
+                                        <p:tgtEl>
+                                          <p:spTgt spid="7"/>
+                                        </p:tgtEl>
+                                        <p:attrNameLst>
+                                          <p:attrName>style.visibility</p:attrName>
+                                        </p:attrNameLst>
+                                      </p:cBhvr>
+                                      <p:to>
+                                        <p:strVal val="visible"/>
+                                      </p:to>
+                                    </p:set>
+                                  </p:childTnLst>
+                                </p:cTn>
+                              </p:par>
+                            </p:childTnLst>
+                          </p:cTn>
+                        </p:par>
+                      </p:childTnLst>
+                    </p:cTn>
+                  </p:par>
+                </p:childTnLst>
+              </p:cTn>
+              <p:prevCondLst>
+                <p:cond evt="onPrev" delay="0">
+                  <p:tgtEl>
+                    <p:sldTgt/>
+                  </p:tgtEl>
+                </p:cond>
+              </p:prevCondLst>
+              <p:nextCondLst>
+                <p:cond evt="onNext" delay="0">
+                  <p:tgtEl>
+                    <p:sldTgt/>
+                  </p:tgtEl>
+                </p:cond>
+              </p:nextCondLst>
+            </p:seq>
+          </p:childTnLst>
+        </p:cTn>
+      </p:par>
+    </p:tnLst>
+  </p:timing>
+</p:sld>
+</file>
+
+<file path=ppt/slides/slide14.xml><?xml version="1.0" encoding="utf-8"?>
+<p:sld xmlns:a="http://schemas.openxmlformats.org/drawingml/2006/main" xmlns:r="http://schemas.openxmlformats.org/officeDocument/2006/relationships" xmlns:p="http://schemas.openxmlformats.org/presentationml/2006/main">
+  <p:cSld>
+    <p:spTree>
+      <p:nvGrpSpPr>
+        <p:cNvPr id="1" name=""/>
+        <p:cNvGrpSpPr/>
+        <p:nvPr/>
+      </p:nvGrpSpPr>
+      <p:grpSpPr>
+        <a:xfrm>
+          <a:off x="0" y="0"/>
+          <a:ext cx="0" cy="0"/>
+          <a:chOff x="0" y="0"/>
+          <a:chExt cx="0" cy="0"/>
+        </a:xfrm>
+      </p:grpSpPr>
+      <p:sp>
+        <p:nvSpPr>
+          <p:cNvPr id="11" name="標題 10"/>
+          <p:cNvSpPr>
+            <a:spLocks noGrp="1"/>
+          </p:cNvSpPr>
+          <p:nvPr>
+            <p:ph type="title"/>
+          </p:nvPr>
+        </p:nvSpPr>
+        <p:spPr/>
+        <p:txBody>
+          <a:bodyPr/>
+          <a:lstStyle/>
+          <a:p>
+            <a:pPr>
+              <a:defRPr/>
+            </a:pPr>
+            <a:r>
+              <a:rPr lang="zh-TW" altLang="en-US" dirty="0" smtClean="0"/>
+              <a:t>大綱</a:t>
+            </a:r>
+            <a:endParaRPr lang="zh-TW" altLang="en-US" dirty="0"/>
+          </a:p>
+        </p:txBody>
+      </p:sp>
+      <p:sp>
+        <p:nvSpPr>
+          <p:cNvPr id="14339" name="內容版面配置區 11"/>
+          <p:cNvSpPr>
+            <a:spLocks noGrp="1"/>
+          </p:cNvSpPr>
+          <p:nvPr>
+            <p:ph idx="1"/>
+          </p:nvPr>
+        </p:nvSpPr>
+        <p:spPr/>
+        <p:txBody>
+          <a:bodyPr/>
+          <a:lstStyle/>
+          <a:p>
+            <a:r>
+              <a:rPr lang="zh-TW" altLang="en-US" dirty="0">
+                <a:solidFill>
+                  <a:schemeClr val="tx2">
+                    <a:lumMod val="20000"/>
+                    <a:lumOff val="80000"/>
+                  </a:schemeClr>
+                </a:solidFill>
+              </a:rPr>
+              <a:t>研究背景與動機</a:t>
+            </a:r>
+            <a:endParaRPr lang="en-US" altLang="zh-TW" dirty="0">
+              <a:solidFill>
+                <a:schemeClr val="tx2">
+                  <a:lumMod val="20000"/>
+                  <a:lumOff val="80000"/>
+                </a:schemeClr>
+              </a:solidFill>
+            </a:endParaRPr>
+          </a:p>
+          <a:p>
+            <a:r>
+              <a:rPr lang="zh-TW" altLang="en-US" dirty="0">
+                <a:solidFill>
+                  <a:schemeClr val="tx2">
+                    <a:lumMod val="20000"/>
+                    <a:lumOff val="80000"/>
+                  </a:schemeClr>
+                </a:solidFill>
+              </a:rPr>
+              <a:t>研究目標</a:t>
+            </a:r>
+            <a:endParaRPr lang="en-US" altLang="zh-TW" dirty="0">
+              <a:solidFill>
+                <a:schemeClr val="tx2">
+                  <a:lumMod val="20000"/>
+                  <a:lumOff val="80000"/>
+                </a:schemeClr>
+              </a:solidFill>
+            </a:endParaRPr>
+          </a:p>
+          <a:p>
+            <a:r>
+              <a:rPr lang="zh-TW" altLang="en-US" dirty="0">
+                <a:solidFill>
+                  <a:schemeClr val="tx2">
+                    <a:lumMod val="20000"/>
+                    <a:lumOff val="80000"/>
+                  </a:schemeClr>
+                </a:solidFill>
+              </a:rPr>
+              <a:t>相關背景知識</a:t>
+            </a:r>
+            <a:endParaRPr lang="en-US" altLang="zh-TW" dirty="0">
+              <a:solidFill>
+                <a:schemeClr val="tx2">
+                  <a:lumMod val="20000"/>
+                  <a:lumOff val="80000"/>
+                </a:schemeClr>
+              </a:solidFill>
+            </a:endParaRPr>
+          </a:p>
+          <a:p>
+            <a:r>
+              <a:rPr lang="zh-TW" altLang="en-US" dirty="0">
+                <a:solidFill>
+                  <a:schemeClr val="tx2">
+                    <a:lumMod val="75000"/>
+                  </a:schemeClr>
+                </a:solidFill>
+              </a:rPr>
+              <a:t>方法概念及實作</a:t>
+            </a:r>
+            <a:endParaRPr lang="en-US" altLang="zh-TW" dirty="0">
+              <a:solidFill>
+                <a:schemeClr val="tx2">
+                  <a:lumMod val="75000"/>
+                </a:schemeClr>
+              </a:solidFill>
+            </a:endParaRPr>
+          </a:p>
+          <a:p>
+            <a:r>
+              <a:rPr lang="zh-TW" altLang="en-US" dirty="0">
+                <a:solidFill>
+                  <a:schemeClr val="tx2">
+                    <a:lumMod val="20000"/>
+                    <a:lumOff val="80000"/>
+                  </a:schemeClr>
+                </a:solidFill>
+              </a:rPr>
+              <a:t>案例分析</a:t>
+            </a:r>
+            <a:endParaRPr lang="en-US" altLang="zh-TW" dirty="0">
+              <a:solidFill>
+                <a:schemeClr val="tx2">
+                  <a:lumMod val="20000"/>
+                  <a:lumOff val="80000"/>
+                </a:schemeClr>
+              </a:solidFill>
+            </a:endParaRPr>
+          </a:p>
+          <a:p>
+            <a:r>
+              <a:rPr lang="zh-TW" altLang="en-US" dirty="0">
+                <a:solidFill>
+                  <a:schemeClr val="tx2">
+                    <a:lumMod val="20000"/>
+                    <a:lumOff val="80000"/>
+                  </a:schemeClr>
+                </a:solidFill>
+              </a:rPr>
+              <a:t>結論與未來研究方向</a:t>
+            </a:r>
+          </a:p>
+        </p:txBody>
+      </p:sp>
+      <p:sp>
+        <p:nvSpPr>
+          <p:cNvPr id="5" name="日期版面配置區 4"/>
+          <p:cNvSpPr>
+            <a:spLocks noGrp="1"/>
+          </p:cNvSpPr>
+          <p:nvPr>
+            <p:ph type="dt" sz="quarter" idx="10"/>
+          </p:nvPr>
+        </p:nvSpPr>
+        <p:spPr/>
+        <p:txBody>
+          <a:bodyPr/>
+          <a:lstStyle/>
+          <a:p>
+            <a:pPr>
+              <a:defRPr/>
+            </a:pPr>
+            <a:fld id="{8C4365B6-F14D-4045-8E37-64E386527D75}" type="datetime1">
+              <a:rPr lang="zh-TW" altLang="en-US" smtClean="0"/>
+              <a:pPr>
+                <a:defRPr/>
+              </a:pPr>
+              <a:t>2018/6/4</a:t>
+            </a:fld>
+            <a:endParaRPr lang="zh-TW" altLang="en-US" dirty="0"/>
+          </a:p>
+        </p:txBody>
+      </p:sp>
+      <p:sp>
+        <p:nvSpPr>
+          <p:cNvPr id="7" name="頁尾版面配置區 6"/>
+          <p:cNvSpPr>
+            <a:spLocks noGrp="1"/>
+          </p:cNvSpPr>
+          <p:nvPr>
+            <p:ph type="ftr" sz="quarter" idx="11"/>
+          </p:nvPr>
+        </p:nvSpPr>
+        <p:spPr/>
+        <p:txBody>
+          <a:bodyPr/>
+          <a:lstStyle/>
+          <a:p>
+            <a:pPr>
+              <a:defRPr/>
+            </a:pPr>
+            <a:r>
+              <a:rPr lang="zh-TW" altLang="en-US" smtClean="0"/>
+              <a:t>軟體系統實驗室</a:t>
+            </a:r>
+            <a:endParaRPr lang="zh-TW" altLang="en-US"/>
+          </a:p>
+        </p:txBody>
+      </p:sp>
+      <p:sp>
+        <p:nvSpPr>
+          <p:cNvPr id="4" name="投影片編號版面配置區 3"/>
+          <p:cNvSpPr>
+            <a:spLocks noGrp="1"/>
+          </p:cNvSpPr>
+          <p:nvPr>
+            <p:ph type="sldNum" sz="quarter" idx="12"/>
+          </p:nvPr>
+        </p:nvSpPr>
+        <p:spPr/>
+        <p:txBody>
+          <a:bodyPr/>
+          <a:lstStyle>
+            <a:lvl1pPr eaLnBrk="0" hangingPunct="0">
+              <a:defRPr kumimoji="1">
+                <a:solidFill>
+                  <a:schemeClr val="tx1"/>
+                </a:solidFill>
+                <a:latin typeface="Arial" panose="020B0604020202020204" pitchFamily="34" charset="0"/>
+                <a:ea typeface="新細明體" panose="02020500000000000000" pitchFamily="18" charset="-120"/>
+              </a:defRPr>
+            </a:lvl1pPr>
+            <a:lvl2pPr marL="742950" indent="-285750" eaLnBrk="0" hangingPunct="0">
+              <a:defRPr kumimoji="1">
+                <a:solidFill>
+                  <a:schemeClr val="tx1"/>
+                </a:solidFill>
+                <a:latin typeface="Arial" panose="020B0604020202020204" pitchFamily="34" charset="0"/>
+                <a:ea typeface="新細明體" panose="02020500000000000000" pitchFamily="18" charset="-120"/>
+              </a:defRPr>
+            </a:lvl2pPr>
+            <a:lvl3pPr marL="1143000" indent="-228600" eaLnBrk="0" hangingPunct="0">
+              <a:defRPr kumimoji="1">
+                <a:solidFill>
+                  <a:schemeClr val="tx1"/>
+                </a:solidFill>
+                <a:latin typeface="Arial" panose="020B0604020202020204" pitchFamily="34" charset="0"/>
+                <a:ea typeface="新細明體" panose="02020500000000000000" pitchFamily="18" charset="-120"/>
+              </a:defRPr>
+            </a:lvl3pPr>
+            <a:lvl4pPr marL="1600200" indent="-228600" eaLnBrk="0" hangingPunct="0">
+              <a:defRPr kumimoji="1">
+                <a:solidFill>
+                  <a:schemeClr val="tx1"/>
+                </a:solidFill>
+                <a:latin typeface="Arial" panose="020B0604020202020204" pitchFamily="34" charset="0"/>
+                <a:ea typeface="新細明體" panose="02020500000000000000" pitchFamily="18" charset="-120"/>
+              </a:defRPr>
+            </a:lvl4pPr>
+            <a:lvl5pPr marL="2057400" indent="-228600" eaLnBrk="0" hangingPunct="0">
+              <a:defRPr kumimoji="1">
+                <a:solidFill>
+                  <a:schemeClr val="tx1"/>
+                </a:solidFill>
+                <a:latin typeface="Arial" panose="020B0604020202020204" pitchFamily="34" charset="0"/>
+                <a:ea typeface="新細明體" panose="02020500000000000000" pitchFamily="18" charset="-120"/>
+              </a:defRPr>
+            </a:lvl5pPr>
+            <a:lvl6pPr marL="2514600" indent="-228600" eaLnBrk="0" fontAlgn="base" hangingPunct="0">
+              <a:spcBef>
+                <a:spcPct val="0"/>
+              </a:spcBef>
+              <a:spcAft>
+                <a:spcPct val="0"/>
+              </a:spcAft>
+              <a:defRPr kumimoji="1">
+                <a:solidFill>
+                  <a:schemeClr val="tx1"/>
+                </a:solidFill>
+                <a:latin typeface="Arial" panose="020B0604020202020204" pitchFamily="34" charset="0"/>
+                <a:ea typeface="新細明體" panose="02020500000000000000" pitchFamily="18" charset="-120"/>
+              </a:defRPr>
+            </a:lvl6pPr>
+            <a:lvl7pPr marL="2971800" indent="-228600" eaLnBrk="0" fontAlgn="base" hangingPunct="0">
+              <a:spcBef>
+                <a:spcPct val="0"/>
+              </a:spcBef>
+              <a:spcAft>
+                <a:spcPct val="0"/>
+              </a:spcAft>
+              <a:defRPr kumimoji="1">
+                <a:solidFill>
+                  <a:schemeClr val="tx1"/>
+                </a:solidFill>
+                <a:latin typeface="Arial" panose="020B0604020202020204" pitchFamily="34" charset="0"/>
+                <a:ea typeface="新細明體" panose="02020500000000000000" pitchFamily="18" charset="-120"/>
+              </a:defRPr>
+            </a:lvl7pPr>
+            <a:lvl8pPr marL="3429000" indent="-228600" eaLnBrk="0" fontAlgn="base" hangingPunct="0">
+              <a:spcBef>
+                <a:spcPct val="0"/>
+              </a:spcBef>
+              <a:spcAft>
+                <a:spcPct val="0"/>
+              </a:spcAft>
+              <a:defRPr kumimoji="1">
+                <a:solidFill>
+                  <a:schemeClr val="tx1"/>
+                </a:solidFill>
+                <a:latin typeface="Arial" panose="020B0604020202020204" pitchFamily="34" charset="0"/>
+                <a:ea typeface="新細明體" panose="02020500000000000000" pitchFamily="18" charset="-120"/>
+              </a:defRPr>
+            </a:lvl8pPr>
+            <a:lvl9pPr marL="3886200" indent="-228600" eaLnBrk="0" fontAlgn="base" hangingPunct="0">
+              <a:spcBef>
+                <a:spcPct val="0"/>
+              </a:spcBef>
+              <a:spcAft>
+                <a:spcPct val="0"/>
+              </a:spcAft>
+              <a:defRPr kumimoji="1">
+                <a:solidFill>
+                  <a:schemeClr val="tx1"/>
+                </a:solidFill>
+                <a:latin typeface="Arial" panose="020B0604020202020204" pitchFamily="34" charset="0"/>
+                <a:ea typeface="新細明體" panose="02020500000000000000" pitchFamily="18" charset="-120"/>
+              </a:defRPr>
+            </a:lvl9pPr>
+          </a:lstStyle>
+          <a:p>
+            <a:pPr eaLnBrk="1" hangingPunct="1"/>
+            <a:fld id="{190A5E35-A5C2-4CE5-935A-79786C112CF7}" type="slidenum">
+              <a:rPr kumimoji="0" lang="zh-TW" altLang="en-US">
+                <a:solidFill>
+                  <a:srgbClr val="215968"/>
+                </a:solidFill>
+                <a:latin typeface="Calibri" panose="020F0502020204030204" pitchFamily="34" charset="0"/>
+              </a:rPr>
+              <a:pPr eaLnBrk="1" hangingPunct="1"/>
+              <a:t>14</a:t>
+            </a:fld>
+            <a:endParaRPr kumimoji="0" lang="zh-TW" altLang="en-US">
+              <a:solidFill>
+                <a:srgbClr val="215968"/>
+              </a:solidFill>
+              <a:latin typeface="Calibri" panose="020F0502020204030204" pitchFamily="34" charset="0"/>
+            </a:endParaRPr>
+          </a:p>
+        </p:txBody>
+      </p:sp>
+    </p:spTree>
+    <p:extLst>
+      <p:ext uri="{BB962C8B-B14F-4D97-AF65-F5344CB8AC3E}">
+        <p14:creationId xmlns:p14="http://schemas.microsoft.com/office/powerpoint/2010/main" val="4268326670"/>
+      </p:ext>
+    </p:extLst>
+  </p:cSld>
+  <p:clrMapOvr>
+    <a:masterClrMapping/>
+  </p:clrMapOvr>
+  <p:timing>
+    <p:tnLst>
+      <p:par>
+        <p:cTn id="1" dur="indefinite" restart="never" nodeType="tmRoot"/>
+      </p:par>
+    </p:tnLst>
+  </p:timing>
+</p:sld>
+</file>
+
+<file path=ppt/slides/slide15.xml><?xml version="1.0" encoding="utf-8"?>
+<p:sld xmlns:a="http://schemas.openxmlformats.org/drawingml/2006/main" xmlns:r="http://schemas.openxmlformats.org/officeDocument/2006/relationships" xmlns:p="http://schemas.openxmlformats.org/presentationml/2006/main">
+  <p:cSld>
+    <p:spTree>
+      <p:nvGrpSpPr>
+        <p:cNvPr id="1" name=""/>
+        <p:cNvGrpSpPr/>
+        <p:nvPr/>
+      </p:nvGrpSpPr>
+      <p:grpSpPr>
+        <a:xfrm>
+          <a:off x="0" y="0"/>
+          <a:ext cx="0" cy="0"/>
+          <a:chOff x="0" y="0"/>
+          <a:chExt cx="0" cy="0"/>
+        </a:xfrm>
+      </p:grpSpPr>
+      <p:sp>
+        <p:nvSpPr>
+          <p:cNvPr id="11" name="標題 10"/>
+          <p:cNvSpPr>
+            <a:spLocks noGrp="1"/>
+          </p:cNvSpPr>
+          <p:nvPr>
+            <p:ph type="title"/>
+          </p:nvPr>
+        </p:nvSpPr>
+        <p:spPr/>
+        <p:txBody>
+          <a:bodyPr/>
+          <a:lstStyle/>
+          <a:p>
+            <a:pPr>
+              <a:defRPr/>
+            </a:pPr>
+            <a:r>
+              <a:rPr lang="zh-TW" altLang="en-US" dirty="0" smtClean="0"/>
+              <a:t>大綱</a:t>
+            </a:r>
+            <a:endParaRPr lang="zh-TW" altLang="en-US" dirty="0"/>
+          </a:p>
+        </p:txBody>
+      </p:sp>
+      <p:sp>
+        <p:nvSpPr>
+          <p:cNvPr id="14339" name="內容版面配置區 11"/>
+          <p:cNvSpPr>
+            <a:spLocks noGrp="1"/>
+          </p:cNvSpPr>
+          <p:nvPr>
+            <p:ph idx="1"/>
+          </p:nvPr>
+        </p:nvSpPr>
+        <p:spPr/>
+        <p:txBody>
+          <a:bodyPr/>
+          <a:lstStyle/>
+          <a:p>
+            <a:r>
+              <a:rPr lang="zh-TW" altLang="en-US" dirty="0">
+                <a:solidFill>
+                  <a:schemeClr val="tx2">
+                    <a:lumMod val="20000"/>
+                    <a:lumOff val="80000"/>
+                  </a:schemeClr>
+                </a:solidFill>
+              </a:rPr>
+              <a:t>研究背景與動機</a:t>
+            </a:r>
+            <a:endParaRPr lang="en-US" altLang="zh-TW" dirty="0">
+              <a:solidFill>
+                <a:schemeClr val="tx2">
+                  <a:lumMod val="20000"/>
+                  <a:lumOff val="80000"/>
+                </a:schemeClr>
+              </a:solidFill>
+            </a:endParaRPr>
+          </a:p>
+          <a:p>
+            <a:r>
+              <a:rPr lang="zh-TW" altLang="en-US" dirty="0">
+                <a:solidFill>
+                  <a:schemeClr val="tx2">
+                    <a:lumMod val="20000"/>
+                    <a:lumOff val="80000"/>
+                  </a:schemeClr>
+                </a:solidFill>
+              </a:rPr>
+              <a:t>研究目標</a:t>
+            </a:r>
+            <a:endParaRPr lang="en-US" altLang="zh-TW" dirty="0">
+              <a:solidFill>
+                <a:schemeClr val="tx2">
+                  <a:lumMod val="20000"/>
+                  <a:lumOff val="80000"/>
+                </a:schemeClr>
+              </a:solidFill>
+            </a:endParaRPr>
+          </a:p>
+          <a:p>
+            <a:r>
+              <a:rPr lang="zh-TW" altLang="en-US" dirty="0">
+                <a:solidFill>
+                  <a:schemeClr val="tx2">
+                    <a:lumMod val="20000"/>
+                    <a:lumOff val="80000"/>
+                  </a:schemeClr>
+                </a:solidFill>
+              </a:rPr>
+              <a:t>相關背景知識</a:t>
+            </a:r>
+            <a:endParaRPr lang="en-US" altLang="zh-TW" dirty="0">
+              <a:solidFill>
+                <a:schemeClr val="tx2">
+                  <a:lumMod val="20000"/>
+                  <a:lumOff val="80000"/>
+                </a:schemeClr>
+              </a:solidFill>
+            </a:endParaRPr>
+          </a:p>
+          <a:p>
+            <a:r>
+              <a:rPr lang="zh-TW" altLang="en-US" dirty="0">
+                <a:solidFill>
+                  <a:schemeClr val="tx2">
+                    <a:lumMod val="20000"/>
+                    <a:lumOff val="80000"/>
+                  </a:schemeClr>
+                </a:solidFill>
+              </a:rPr>
+              <a:t>方法概念及實作</a:t>
+            </a:r>
+            <a:endParaRPr lang="en-US" altLang="zh-TW" dirty="0">
+              <a:solidFill>
+                <a:schemeClr val="tx2">
+                  <a:lumMod val="20000"/>
+                  <a:lumOff val="80000"/>
+                </a:schemeClr>
+              </a:solidFill>
+            </a:endParaRPr>
+          </a:p>
+          <a:p>
+            <a:r>
+              <a:rPr lang="zh-TW" altLang="en-US" dirty="0">
+                <a:solidFill>
+                  <a:schemeClr val="tx2">
+                    <a:lumMod val="75000"/>
+                  </a:schemeClr>
+                </a:solidFill>
+              </a:rPr>
+              <a:t>案例分析</a:t>
+            </a:r>
+            <a:endParaRPr lang="en-US" altLang="zh-TW" dirty="0">
+              <a:solidFill>
+                <a:schemeClr val="tx2">
+                  <a:lumMod val="75000"/>
+                </a:schemeClr>
+              </a:solidFill>
+            </a:endParaRPr>
+          </a:p>
+          <a:p>
+            <a:r>
+              <a:rPr lang="zh-TW" altLang="en-US" dirty="0">
+                <a:solidFill>
+                  <a:schemeClr val="tx2">
+                    <a:lumMod val="20000"/>
+                    <a:lumOff val="80000"/>
+                  </a:schemeClr>
+                </a:solidFill>
+              </a:rPr>
+              <a:t>結論與未來研究方向</a:t>
+            </a:r>
+          </a:p>
+        </p:txBody>
+      </p:sp>
+      <p:sp>
+        <p:nvSpPr>
+          <p:cNvPr id="5" name="日期版面配置區 4"/>
+          <p:cNvSpPr>
+            <a:spLocks noGrp="1"/>
+          </p:cNvSpPr>
+          <p:nvPr>
+            <p:ph type="dt" sz="quarter" idx="10"/>
+          </p:nvPr>
+        </p:nvSpPr>
+        <p:spPr/>
+        <p:txBody>
+          <a:bodyPr/>
+          <a:lstStyle/>
+          <a:p>
+            <a:pPr>
+              <a:defRPr/>
+            </a:pPr>
+            <a:fld id="{8C4365B6-F14D-4045-8E37-64E386527D75}" type="datetime1">
+              <a:rPr lang="zh-TW" altLang="en-US" smtClean="0"/>
+              <a:pPr>
+                <a:defRPr/>
+              </a:pPr>
+              <a:t>2018/6/4</a:t>
+            </a:fld>
+            <a:endParaRPr lang="zh-TW" altLang="en-US" dirty="0"/>
+          </a:p>
+        </p:txBody>
+      </p:sp>
+      <p:sp>
+        <p:nvSpPr>
+          <p:cNvPr id="7" name="頁尾版面配置區 6"/>
+          <p:cNvSpPr>
+            <a:spLocks noGrp="1"/>
+          </p:cNvSpPr>
+          <p:nvPr>
+            <p:ph type="ftr" sz="quarter" idx="11"/>
+          </p:nvPr>
+        </p:nvSpPr>
+        <p:spPr/>
+        <p:txBody>
+          <a:bodyPr/>
+          <a:lstStyle/>
+          <a:p>
+            <a:pPr>
+              <a:defRPr/>
+            </a:pPr>
+            <a:r>
+              <a:rPr lang="zh-TW" altLang="en-US" smtClean="0"/>
+              <a:t>軟體系統實驗室</a:t>
+            </a:r>
+            <a:endParaRPr lang="zh-TW" altLang="en-US"/>
+          </a:p>
+        </p:txBody>
+      </p:sp>
+      <p:sp>
+        <p:nvSpPr>
+          <p:cNvPr id="4" name="投影片編號版面配置區 3"/>
+          <p:cNvSpPr>
+            <a:spLocks noGrp="1"/>
+          </p:cNvSpPr>
+          <p:nvPr>
+            <p:ph type="sldNum" sz="quarter" idx="12"/>
+          </p:nvPr>
+        </p:nvSpPr>
+        <p:spPr/>
+        <p:txBody>
+          <a:bodyPr/>
+          <a:lstStyle>
+            <a:lvl1pPr eaLnBrk="0" hangingPunct="0">
+              <a:defRPr kumimoji="1">
+                <a:solidFill>
+                  <a:schemeClr val="tx1"/>
+                </a:solidFill>
+                <a:latin typeface="Arial" panose="020B0604020202020204" pitchFamily="34" charset="0"/>
+                <a:ea typeface="新細明體" panose="02020500000000000000" pitchFamily="18" charset="-120"/>
+              </a:defRPr>
+            </a:lvl1pPr>
+            <a:lvl2pPr marL="742950" indent="-285750" eaLnBrk="0" hangingPunct="0">
+              <a:defRPr kumimoji="1">
+                <a:solidFill>
+                  <a:schemeClr val="tx1"/>
+                </a:solidFill>
+                <a:latin typeface="Arial" panose="020B0604020202020204" pitchFamily="34" charset="0"/>
+                <a:ea typeface="新細明體" panose="02020500000000000000" pitchFamily="18" charset="-120"/>
+              </a:defRPr>
+            </a:lvl2pPr>
+            <a:lvl3pPr marL="1143000" indent="-228600" eaLnBrk="0" hangingPunct="0">
+              <a:defRPr kumimoji="1">
+                <a:solidFill>
+                  <a:schemeClr val="tx1"/>
+                </a:solidFill>
+                <a:latin typeface="Arial" panose="020B0604020202020204" pitchFamily="34" charset="0"/>
+                <a:ea typeface="新細明體" panose="02020500000000000000" pitchFamily="18" charset="-120"/>
+              </a:defRPr>
+            </a:lvl3pPr>
+            <a:lvl4pPr marL="1600200" indent="-228600" eaLnBrk="0" hangingPunct="0">
+              <a:defRPr kumimoji="1">
+                <a:solidFill>
+                  <a:schemeClr val="tx1"/>
+                </a:solidFill>
+                <a:latin typeface="Arial" panose="020B0604020202020204" pitchFamily="34" charset="0"/>
+                <a:ea typeface="新細明體" panose="02020500000000000000" pitchFamily="18" charset="-120"/>
+              </a:defRPr>
+            </a:lvl4pPr>
+            <a:lvl5pPr marL="2057400" indent="-228600" eaLnBrk="0" hangingPunct="0">
+              <a:defRPr kumimoji="1">
+                <a:solidFill>
+                  <a:schemeClr val="tx1"/>
+                </a:solidFill>
+                <a:latin typeface="Arial" panose="020B0604020202020204" pitchFamily="34" charset="0"/>
+                <a:ea typeface="新細明體" panose="02020500000000000000" pitchFamily="18" charset="-120"/>
+              </a:defRPr>
+            </a:lvl5pPr>
+            <a:lvl6pPr marL="2514600" indent="-228600" eaLnBrk="0" fontAlgn="base" hangingPunct="0">
+              <a:spcBef>
+                <a:spcPct val="0"/>
+              </a:spcBef>
+              <a:spcAft>
+                <a:spcPct val="0"/>
+              </a:spcAft>
+              <a:defRPr kumimoji="1">
+                <a:solidFill>
+                  <a:schemeClr val="tx1"/>
+                </a:solidFill>
+                <a:latin typeface="Arial" panose="020B0604020202020204" pitchFamily="34" charset="0"/>
+                <a:ea typeface="新細明體" panose="02020500000000000000" pitchFamily="18" charset="-120"/>
+              </a:defRPr>
+            </a:lvl6pPr>
+            <a:lvl7pPr marL="2971800" indent="-228600" eaLnBrk="0" fontAlgn="base" hangingPunct="0">
+              <a:spcBef>
+                <a:spcPct val="0"/>
+              </a:spcBef>
+              <a:spcAft>
+                <a:spcPct val="0"/>
+              </a:spcAft>
+              <a:defRPr kumimoji="1">
+                <a:solidFill>
+                  <a:schemeClr val="tx1"/>
+                </a:solidFill>
+                <a:latin typeface="Arial" panose="020B0604020202020204" pitchFamily="34" charset="0"/>
+                <a:ea typeface="新細明體" panose="02020500000000000000" pitchFamily="18" charset="-120"/>
+              </a:defRPr>
+            </a:lvl7pPr>
+            <a:lvl8pPr marL="3429000" indent="-228600" eaLnBrk="0" fontAlgn="base" hangingPunct="0">
+              <a:spcBef>
+                <a:spcPct val="0"/>
+              </a:spcBef>
+              <a:spcAft>
+                <a:spcPct val="0"/>
+              </a:spcAft>
+              <a:defRPr kumimoji="1">
+                <a:solidFill>
+                  <a:schemeClr val="tx1"/>
+                </a:solidFill>
+                <a:latin typeface="Arial" panose="020B0604020202020204" pitchFamily="34" charset="0"/>
+                <a:ea typeface="新細明體" panose="02020500000000000000" pitchFamily="18" charset="-120"/>
+              </a:defRPr>
+            </a:lvl8pPr>
+            <a:lvl9pPr marL="3886200" indent="-228600" eaLnBrk="0" fontAlgn="base" hangingPunct="0">
+              <a:spcBef>
+                <a:spcPct val="0"/>
+              </a:spcBef>
+              <a:spcAft>
+                <a:spcPct val="0"/>
+              </a:spcAft>
+              <a:defRPr kumimoji="1">
+                <a:solidFill>
+                  <a:schemeClr val="tx1"/>
+                </a:solidFill>
+                <a:latin typeface="Arial" panose="020B0604020202020204" pitchFamily="34" charset="0"/>
+                <a:ea typeface="新細明體" panose="02020500000000000000" pitchFamily="18" charset="-120"/>
+              </a:defRPr>
+            </a:lvl9pPr>
+          </a:lstStyle>
+          <a:p>
+            <a:pPr eaLnBrk="1" hangingPunct="1"/>
+            <a:fld id="{190A5E35-A5C2-4CE5-935A-79786C112CF7}" type="slidenum">
+              <a:rPr kumimoji="0" lang="zh-TW" altLang="en-US">
+                <a:solidFill>
+                  <a:srgbClr val="215968"/>
+                </a:solidFill>
+                <a:latin typeface="Calibri" panose="020F0502020204030204" pitchFamily="34" charset="0"/>
+              </a:rPr>
+              <a:pPr eaLnBrk="1" hangingPunct="1"/>
+              <a:t>15</a:t>
+            </a:fld>
+            <a:endParaRPr kumimoji="0" lang="zh-TW" altLang="en-US">
+              <a:solidFill>
+                <a:srgbClr val="215968"/>
+              </a:solidFill>
+              <a:latin typeface="Calibri" panose="020F0502020204030204" pitchFamily="34" charset="0"/>
+            </a:endParaRPr>
+          </a:p>
+        </p:txBody>
+      </p:sp>
+    </p:spTree>
+    <p:extLst>
+      <p:ext uri="{BB962C8B-B14F-4D97-AF65-F5344CB8AC3E}">
+        <p14:creationId xmlns:p14="http://schemas.microsoft.com/office/powerpoint/2010/main" val="3209875434"/>
+      </p:ext>
+    </p:extLst>
+  </p:cSld>
+  <p:clrMapOvr>
+    <a:masterClrMapping/>
+  </p:clrMapOvr>
+  <p:timing>
+    <p:tnLst>
+      <p:par>
+        <p:cTn id="1" dur="indefinite" restart="never" nodeType="tmRoot"/>
+      </p:par>
+    </p:tnLst>
+  </p:timing>
+</p:sld>
+</file>
+
+<file path=ppt/slides/slide16.xml><?xml version="1.0" encoding="utf-8"?>
+<p:sld xmlns:a="http://schemas.openxmlformats.org/drawingml/2006/main" xmlns:r="http://schemas.openxmlformats.org/officeDocument/2006/relationships" xmlns:p="http://schemas.openxmlformats.org/presentationml/2006/main">
+  <p:cSld>
+    <p:spTree>
+      <p:nvGrpSpPr>
+        <p:cNvPr id="1" name=""/>
+        <p:cNvGrpSpPr/>
+        <p:nvPr/>
+      </p:nvGrpSpPr>
+      <p:grpSpPr>
+        <a:xfrm>
+          <a:off x="0" y="0"/>
+          <a:ext cx="0" cy="0"/>
+          <a:chOff x="0" y="0"/>
+          <a:chExt cx="0" cy="0"/>
+        </a:xfrm>
+      </p:grpSpPr>
+      <p:sp>
+        <p:nvSpPr>
+          <p:cNvPr id="11" name="標題 10"/>
+          <p:cNvSpPr>
+            <a:spLocks noGrp="1"/>
+          </p:cNvSpPr>
+          <p:nvPr>
+            <p:ph type="title"/>
+          </p:nvPr>
+        </p:nvSpPr>
+        <p:spPr/>
+        <p:txBody>
+          <a:bodyPr/>
+          <a:lstStyle/>
+          <a:p>
+            <a:pPr>
+              <a:defRPr/>
+            </a:pPr>
+            <a:r>
+              <a:rPr lang="zh-TW" altLang="en-US" dirty="0" smtClean="0"/>
+              <a:t>大綱</a:t>
+            </a:r>
+            <a:endParaRPr lang="zh-TW" altLang="en-US" dirty="0"/>
+          </a:p>
+        </p:txBody>
+      </p:sp>
+      <p:sp>
+        <p:nvSpPr>
+          <p:cNvPr id="14339" name="內容版面配置區 11"/>
+          <p:cNvSpPr>
+            <a:spLocks noGrp="1"/>
+          </p:cNvSpPr>
+          <p:nvPr>
+            <p:ph idx="1"/>
+          </p:nvPr>
+        </p:nvSpPr>
+        <p:spPr/>
+        <p:txBody>
+          <a:bodyPr/>
+          <a:lstStyle/>
+          <a:p>
+            <a:r>
+              <a:rPr lang="zh-TW" altLang="en-US" dirty="0">
+                <a:solidFill>
+                  <a:schemeClr val="tx2">
+                    <a:lumMod val="20000"/>
+                    <a:lumOff val="80000"/>
+                  </a:schemeClr>
+                </a:solidFill>
+              </a:rPr>
+              <a:t>研究背景與動機</a:t>
+            </a:r>
+            <a:endParaRPr lang="en-US" altLang="zh-TW" dirty="0">
+              <a:solidFill>
+                <a:schemeClr val="tx2">
+                  <a:lumMod val="20000"/>
+                  <a:lumOff val="80000"/>
+                </a:schemeClr>
+              </a:solidFill>
+            </a:endParaRPr>
+          </a:p>
+          <a:p>
+            <a:r>
+              <a:rPr lang="zh-TW" altLang="en-US" dirty="0">
+                <a:solidFill>
+                  <a:schemeClr val="tx2">
+                    <a:lumMod val="20000"/>
+                    <a:lumOff val="80000"/>
+                  </a:schemeClr>
+                </a:solidFill>
+              </a:rPr>
+              <a:t>研究目標</a:t>
+            </a:r>
+            <a:endParaRPr lang="en-US" altLang="zh-TW" dirty="0">
+              <a:solidFill>
+                <a:schemeClr val="tx2">
+                  <a:lumMod val="20000"/>
+                  <a:lumOff val="80000"/>
+                </a:schemeClr>
+              </a:solidFill>
+            </a:endParaRPr>
+          </a:p>
+          <a:p>
+            <a:r>
+              <a:rPr lang="zh-TW" altLang="en-US" dirty="0">
+                <a:solidFill>
+                  <a:schemeClr val="tx2">
+                    <a:lumMod val="20000"/>
+                    <a:lumOff val="80000"/>
+                  </a:schemeClr>
+                </a:solidFill>
+              </a:rPr>
+              <a:t>相關背景知識</a:t>
+            </a:r>
+            <a:endParaRPr lang="en-US" altLang="zh-TW" dirty="0">
+              <a:solidFill>
+                <a:schemeClr val="tx2">
+                  <a:lumMod val="20000"/>
+                  <a:lumOff val="80000"/>
+                </a:schemeClr>
+              </a:solidFill>
+            </a:endParaRPr>
+          </a:p>
+          <a:p>
+            <a:r>
+              <a:rPr lang="zh-TW" altLang="en-US" dirty="0">
+                <a:solidFill>
+                  <a:schemeClr val="tx2">
+                    <a:lumMod val="20000"/>
+                    <a:lumOff val="80000"/>
+                  </a:schemeClr>
+                </a:solidFill>
+              </a:rPr>
+              <a:t>方法概念及實作</a:t>
+            </a:r>
+            <a:endParaRPr lang="en-US" altLang="zh-TW" dirty="0">
+              <a:solidFill>
+                <a:schemeClr val="tx2">
+                  <a:lumMod val="20000"/>
+                  <a:lumOff val="80000"/>
+                </a:schemeClr>
+              </a:solidFill>
+            </a:endParaRPr>
+          </a:p>
+          <a:p>
+            <a:r>
+              <a:rPr lang="zh-TW" altLang="en-US" dirty="0">
+                <a:solidFill>
+                  <a:schemeClr val="tx2">
+                    <a:lumMod val="20000"/>
+                    <a:lumOff val="80000"/>
+                  </a:schemeClr>
+                </a:solidFill>
+              </a:rPr>
+              <a:t>案例分析</a:t>
+            </a:r>
+            <a:endParaRPr lang="en-US" altLang="zh-TW" dirty="0">
+              <a:solidFill>
+                <a:schemeClr val="tx2">
+                  <a:lumMod val="20000"/>
+                  <a:lumOff val="80000"/>
+                </a:schemeClr>
+              </a:solidFill>
+            </a:endParaRPr>
+          </a:p>
+          <a:p>
+            <a:r>
+              <a:rPr lang="zh-TW" altLang="en-US" dirty="0">
+                <a:solidFill>
+                  <a:schemeClr val="tx2">
+                    <a:lumMod val="75000"/>
+                  </a:schemeClr>
+                </a:solidFill>
+              </a:rPr>
+              <a:t>結論與未來研究方向</a:t>
+            </a:r>
+          </a:p>
+        </p:txBody>
+      </p:sp>
+      <p:sp>
+        <p:nvSpPr>
+          <p:cNvPr id="5" name="日期版面配置區 4"/>
+          <p:cNvSpPr>
+            <a:spLocks noGrp="1"/>
+          </p:cNvSpPr>
+          <p:nvPr>
+            <p:ph type="dt" sz="quarter" idx="10"/>
+          </p:nvPr>
+        </p:nvSpPr>
+        <p:spPr/>
+        <p:txBody>
+          <a:bodyPr/>
+          <a:lstStyle/>
+          <a:p>
+            <a:pPr>
+              <a:defRPr/>
+            </a:pPr>
+            <a:fld id="{8C4365B6-F14D-4045-8E37-64E386527D75}" type="datetime1">
+              <a:rPr lang="zh-TW" altLang="en-US" smtClean="0"/>
+              <a:pPr>
+                <a:defRPr/>
+              </a:pPr>
+              <a:t>2018/6/4</a:t>
+            </a:fld>
+            <a:endParaRPr lang="zh-TW" altLang="en-US" dirty="0"/>
+          </a:p>
+        </p:txBody>
+      </p:sp>
+      <p:sp>
+        <p:nvSpPr>
+          <p:cNvPr id="7" name="頁尾版面配置區 6"/>
+          <p:cNvSpPr>
+            <a:spLocks noGrp="1"/>
+          </p:cNvSpPr>
+          <p:nvPr>
+            <p:ph type="ftr" sz="quarter" idx="11"/>
+          </p:nvPr>
+        </p:nvSpPr>
+        <p:spPr/>
+        <p:txBody>
+          <a:bodyPr/>
+          <a:lstStyle/>
+          <a:p>
+            <a:pPr>
+              <a:defRPr/>
+            </a:pPr>
+            <a:r>
+              <a:rPr lang="zh-TW" altLang="en-US" smtClean="0"/>
+              <a:t>軟體系統實驗室</a:t>
+            </a:r>
+            <a:endParaRPr lang="zh-TW" altLang="en-US"/>
+          </a:p>
+        </p:txBody>
+      </p:sp>
+      <p:sp>
+        <p:nvSpPr>
+          <p:cNvPr id="4" name="投影片編號版面配置區 3"/>
+          <p:cNvSpPr>
+            <a:spLocks noGrp="1"/>
+          </p:cNvSpPr>
+          <p:nvPr>
+            <p:ph type="sldNum" sz="quarter" idx="12"/>
+          </p:nvPr>
+        </p:nvSpPr>
+        <p:spPr/>
+        <p:txBody>
+          <a:bodyPr/>
+          <a:lstStyle>
+            <a:lvl1pPr eaLnBrk="0" hangingPunct="0">
+              <a:defRPr kumimoji="1">
+                <a:solidFill>
+                  <a:schemeClr val="tx1"/>
+                </a:solidFill>
+                <a:latin typeface="Arial" panose="020B0604020202020204" pitchFamily="34" charset="0"/>
+                <a:ea typeface="新細明體" panose="02020500000000000000" pitchFamily="18" charset="-120"/>
+              </a:defRPr>
+            </a:lvl1pPr>
+            <a:lvl2pPr marL="742950" indent="-285750" eaLnBrk="0" hangingPunct="0">
+              <a:defRPr kumimoji="1">
+                <a:solidFill>
+                  <a:schemeClr val="tx1"/>
+                </a:solidFill>
+                <a:latin typeface="Arial" panose="020B0604020202020204" pitchFamily="34" charset="0"/>
+                <a:ea typeface="新細明體" panose="02020500000000000000" pitchFamily="18" charset="-120"/>
+              </a:defRPr>
+            </a:lvl2pPr>
+            <a:lvl3pPr marL="1143000" indent="-228600" eaLnBrk="0" hangingPunct="0">
+              <a:defRPr kumimoji="1">
+                <a:solidFill>
+                  <a:schemeClr val="tx1"/>
+                </a:solidFill>
+                <a:latin typeface="Arial" panose="020B0604020202020204" pitchFamily="34" charset="0"/>
+                <a:ea typeface="新細明體" panose="02020500000000000000" pitchFamily="18" charset="-120"/>
+              </a:defRPr>
+            </a:lvl3pPr>
+            <a:lvl4pPr marL="1600200" indent="-228600" eaLnBrk="0" hangingPunct="0">
+              <a:defRPr kumimoji="1">
+                <a:solidFill>
+                  <a:schemeClr val="tx1"/>
+                </a:solidFill>
+                <a:latin typeface="Arial" panose="020B0604020202020204" pitchFamily="34" charset="0"/>
+                <a:ea typeface="新細明體" panose="02020500000000000000" pitchFamily="18" charset="-120"/>
+              </a:defRPr>
+            </a:lvl4pPr>
+            <a:lvl5pPr marL="2057400" indent="-228600" eaLnBrk="0" hangingPunct="0">
+              <a:defRPr kumimoji="1">
+                <a:solidFill>
+                  <a:schemeClr val="tx1"/>
+                </a:solidFill>
+                <a:latin typeface="Arial" panose="020B0604020202020204" pitchFamily="34" charset="0"/>
+                <a:ea typeface="新細明體" panose="02020500000000000000" pitchFamily="18" charset="-120"/>
+              </a:defRPr>
+            </a:lvl5pPr>
+            <a:lvl6pPr marL="2514600" indent="-228600" eaLnBrk="0" fontAlgn="base" hangingPunct="0">
+              <a:spcBef>
+                <a:spcPct val="0"/>
+              </a:spcBef>
+              <a:spcAft>
+                <a:spcPct val="0"/>
+              </a:spcAft>
+              <a:defRPr kumimoji="1">
+                <a:solidFill>
+                  <a:schemeClr val="tx1"/>
+                </a:solidFill>
+                <a:latin typeface="Arial" panose="020B0604020202020204" pitchFamily="34" charset="0"/>
+                <a:ea typeface="新細明體" panose="02020500000000000000" pitchFamily="18" charset="-120"/>
+              </a:defRPr>
+            </a:lvl6pPr>
+            <a:lvl7pPr marL="2971800" indent="-228600" eaLnBrk="0" fontAlgn="base" hangingPunct="0">
+              <a:spcBef>
+                <a:spcPct val="0"/>
+              </a:spcBef>
+              <a:spcAft>
+                <a:spcPct val="0"/>
+              </a:spcAft>
+              <a:defRPr kumimoji="1">
+                <a:solidFill>
+                  <a:schemeClr val="tx1"/>
+                </a:solidFill>
+                <a:latin typeface="Arial" panose="020B0604020202020204" pitchFamily="34" charset="0"/>
+                <a:ea typeface="新細明體" panose="02020500000000000000" pitchFamily="18" charset="-120"/>
+              </a:defRPr>
+            </a:lvl7pPr>
+            <a:lvl8pPr marL="3429000" indent="-228600" eaLnBrk="0" fontAlgn="base" hangingPunct="0">
+              <a:spcBef>
+                <a:spcPct val="0"/>
+              </a:spcBef>
+              <a:spcAft>
+                <a:spcPct val="0"/>
+              </a:spcAft>
+              <a:defRPr kumimoji="1">
+                <a:solidFill>
+                  <a:schemeClr val="tx1"/>
+                </a:solidFill>
+                <a:latin typeface="Arial" panose="020B0604020202020204" pitchFamily="34" charset="0"/>
+                <a:ea typeface="新細明體" panose="02020500000000000000" pitchFamily="18" charset="-120"/>
+              </a:defRPr>
+            </a:lvl8pPr>
+            <a:lvl9pPr marL="3886200" indent="-228600" eaLnBrk="0" fontAlgn="base" hangingPunct="0">
+              <a:spcBef>
+                <a:spcPct val="0"/>
+              </a:spcBef>
+              <a:spcAft>
+                <a:spcPct val="0"/>
+              </a:spcAft>
+              <a:defRPr kumimoji="1">
+                <a:solidFill>
+                  <a:schemeClr val="tx1"/>
+                </a:solidFill>
+                <a:latin typeface="Arial" panose="020B0604020202020204" pitchFamily="34" charset="0"/>
+                <a:ea typeface="新細明體" panose="02020500000000000000" pitchFamily="18" charset="-120"/>
+              </a:defRPr>
+            </a:lvl9pPr>
+          </a:lstStyle>
+          <a:p>
+            <a:pPr eaLnBrk="1" hangingPunct="1"/>
+            <a:fld id="{190A5E35-A5C2-4CE5-935A-79786C112CF7}" type="slidenum">
+              <a:rPr kumimoji="0" lang="zh-TW" altLang="en-US">
+                <a:solidFill>
+                  <a:srgbClr val="215968"/>
+                </a:solidFill>
+                <a:latin typeface="Calibri" panose="020F0502020204030204" pitchFamily="34" charset="0"/>
+              </a:rPr>
+              <a:pPr eaLnBrk="1" hangingPunct="1"/>
+              <a:t>16</a:t>
+            </a:fld>
+            <a:endParaRPr kumimoji="0" lang="zh-TW" altLang="en-US">
+              <a:solidFill>
+                <a:srgbClr val="215968"/>
+              </a:solidFill>
+              <a:latin typeface="Calibri" panose="020F0502020204030204" pitchFamily="34" charset="0"/>
+            </a:endParaRPr>
+          </a:p>
+        </p:txBody>
+      </p:sp>
+    </p:spTree>
+    <p:extLst>
+      <p:ext uri="{BB962C8B-B14F-4D97-AF65-F5344CB8AC3E}">
+        <p14:creationId xmlns:p14="http://schemas.microsoft.com/office/powerpoint/2010/main" val="341130248"/>
+      </p:ext>
+    </p:extLst>
+  </p:cSld>
+  <p:clrMapOvr>
+    <a:masterClrMapping/>
+  </p:clrMapOvr>
+  <p:timing>
+    <p:tnLst>
+      <p:par>
+        <p:cTn id="1" dur="indefinite" restart="never" nodeType="tmRoot"/>
+      </p:par>
+    </p:tnLst>
+  </p:timing>
+</p:sld>
+</file>
+
+<file path=ppt/slides/slide17.xml><?xml version="1.0" encoding="utf-8"?>
+<p:sld xmlns:a="http://schemas.openxmlformats.org/drawingml/2006/main" xmlns:r="http://schemas.openxmlformats.org/officeDocument/2006/relationships" xmlns:p="http://schemas.openxmlformats.org/presentationml/2006/main">
+  <p:cSld>
+    <p:spTree>
+      <p:nvGrpSpPr>
+        <p:cNvPr id="1" name=""/>
+        <p:cNvGrpSpPr/>
+        <p:nvPr/>
+      </p:nvGrpSpPr>
+      <p:grpSpPr>
+        <a:xfrm>
+          <a:off x="0" y="0"/>
+          <a:ext cx="0" cy="0"/>
+          <a:chOff x="0" y="0"/>
+          <a:chExt cx="0" cy="0"/>
+        </a:xfrm>
+      </p:grpSpPr>
+      <p:sp>
+        <p:nvSpPr>
+          <p:cNvPr id="2" name="標題 1"/>
+          <p:cNvSpPr>
+            <a:spLocks noGrp="1"/>
+          </p:cNvSpPr>
+          <p:nvPr>
+            <p:ph type="title"/>
+          </p:nvPr>
+        </p:nvSpPr>
+        <p:spPr/>
+        <p:txBody>
+          <a:bodyPr/>
+          <a:lstStyle/>
+          <a:p>
+            <a:r>
+              <a:rPr lang="zh-TW" altLang="en-US" dirty="0" smtClean="0"/>
+              <a:t>結論</a:t>
+            </a:r>
+            <a:endParaRPr lang="zh-TW" altLang="en-US" dirty="0"/>
+          </a:p>
+        </p:txBody>
+      </p:sp>
+      <p:sp>
+        <p:nvSpPr>
+          <p:cNvPr id="3" name="內容版面配置區 2"/>
+          <p:cNvSpPr>
+            <a:spLocks noGrp="1"/>
+          </p:cNvSpPr>
+          <p:nvPr>
+            <p:ph idx="1"/>
+          </p:nvPr>
+        </p:nvSpPr>
+        <p:spPr/>
+        <p:txBody>
+          <a:bodyPr/>
+          <a:lstStyle/>
+          <a:p>
+            <a:endParaRPr lang="zh-TW" altLang="en-US"/>
+          </a:p>
+        </p:txBody>
+      </p:sp>
+      <p:sp>
+        <p:nvSpPr>
+          <p:cNvPr id="4" name="日期版面配置區 3"/>
+          <p:cNvSpPr>
+            <a:spLocks noGrp="1"/>
+          </p:cNvSpPr>
+          <p:nvPr>
+            <p:ph type="dt" sz="half" idx="10"/>
+          </p:nvPr>
+        </p:nvSpPr>
+        <p:spPr/>
+        <p:txBody>
+          <a:bodyPr/>
+          <a:lstStyle/>
+          <a:p>
+            <a:pPr>
+              <a:defRPr/>
+            </a:pPr>
+            <a:fld id="{EAFA5826-B682-454B-8A20-4501725C21E3}" type="datetime1">
+              <a:rPr lang="zh-TW" altLang="en-US" smtClean="0"/>
+              <a:pPr>
+                <a:defRPr/>
+              </a:pPr>
+              <a:t>2018/6/4</a:t>
+            </a:fld>
+            <a:endParaRPr lang="zh-TW" altLang="en-US"/>
+          </a:p>
+        </p:txBody>
+      </p:sp>
+      <p:sp>
+        <p:nvSpPr>
+          <p:cNvPr id="5" name="頁尾版面配置區 4"/>
+          <p:cNvSpPr>
+            <a:spLocks noGrp="1"/>
+          </p:cNvSpPr>
+          <p:nvPr>
+            <p:ph type="ftr" sz="quarter" idx="11"/>
+          </p:nvPr>
+        </p:nvSpPr>
+        <p:spPr/>
+        <p:txBody>
+          <a:bodyPr/>
+          <a:lstStyle/>
+          <a:p>
+            <a:pPr>
+              <a:defRPr/>
+            </a:pPr>
+            <a:r>
+              <a:rPr lang="zh-TW" altLang="en-US" smtClean="0"/>
+              <a:t>軟體系統實驗室</a:t>
+            </a:r>
+            <a:endParaRPr lang="zh-TW" altLang="en-US"/>
+          </a:p>
+        </p:txBody>
+      </p:sp>
+      <p:sp>
+        <p:nvSpPr>
+          <p:cNvPr id="6" name="投影片編號版面配置區 5"/>
+          <p:cNvSpPr>
+            <a:spLocks noGrp="1"/>
+          </p:cNvSpPr>
+          <p:nvPr>
+            <p:ph type="sldNum" sz="quarter" idx="12"/>
+          </p:nvPr>
+        </p:nvSpPr>
+        <p:spPr/>
+        <p:txBody>
+          <a:bodyPr/>
+          <a:lstStyle/>
+          <a:p>
+            <a:fld id="{75A2A58D-E85D-4719-B617-A12C5B989F66}" type="slidenum">
+              <a:rPr lang="zh-TW" altLang="en-US" smtClean="0"/>
+              <a:pPr/>
+              <a:t>17</a:t>
+            </a:fld>
+            <a:endParaRPr lang="zh-TW" altLang="en-US"/>
+          </a:p>
+        </p:txBody>
+      </p:sp>
+    </p:spTree>
+    <p:extLst>
+      <p:ext uri="{BB962C8B-B14F-4D97-AF65-F5344CB8AC3E}">
+        <p14:creationId xmlns:p14="http://schemas.microsoft.com/office/powerpoint/2010/main" val="3495489062"/>
+      </p:ext>
+    </p:extLst>
+  </p:cSld>
+  <p:clrMapOvr>
+    <a:masterClrMapping/>
+  </p:clrMapOvr>
+</p:sld>
+</file>
+
+<file path=ppt/slides/slide18.xml><?xml version="1.0" encoding="utf-8"?>
+<p:sld xmlns:a="http://schemas.openxmlformats.org/drawingml/2006/main" xmlns:r="http://schemas.openxmlformats.org/officeDocument/2006/relationships" xmlns:p="http://schemas.openxmlformats.org/presentationml/2006/main">
+  <p:cSld>
+    <p:spTree>
+      <p:nvGrpSpPr>
+        <p:cNvPr id="1" name=""/>
+        <p:cNvGrpSpPr/>
+        <p:nvPr/>
+      </p:nvGrpSpPr>
+      <p:grpSpPr>
+        <a:xfrm>
+          <a:off x="0" y="0"/>
+          <a:ext cx="0" cy="0"/>
+          <a:chOff x="0" y="0"/>
+          <a:chExt cx="0" cy="0"/>
+        </a:xfrm>
+      </p:grpSpPr>
+      <p:sp>
+        <p:nvSpPr>
+          <p:cNvPr id="2" name="標題 1"/>
+          <p:cNvSpPr>
+            <a:spLocks noGrp="1"/>
+          </p:cNvSpPr>
+          <p:nvPr>
+            <p:ph type="title"/>
+          </p:nvPr>
+        </p:nvSpPr>
+        <p:spPr/>
+        <p:txBody>
+          <a:bodyPr/>
+          <a:lstStyle/>
+          <a:p>
+            <a:r>
+              <a:rPr lang="zh-TW" altLang="en-US" dirty="0" smtClean="0"/>
+              <a:t>未來研究方向</a:t>
+            </a:r>
+            <a:endParaRPr lang="zh-TW" altLang="en-US" dirty="0"/>
+          </a:p>
+        </p:txBody>
+      </p:sp>
+      <p:sp>
+        <p:nvSpPr>
+          <p:cNvPr id="3" name="內容版面配置區 2"/>
+          <p:cNvSpPr>
+            <a:spLocks noGrp="1"/>
+          </p:cNvSpPr>
+          <p:nvPr>
+            <p:ph idx="1"/>
+          </p:nvPr>
+        </p:nvSpPr>
+        <p:spPr/>
+        <p:txBody>
+          <a:bodyPr/>
+          <a:lstStyle/>
+          <a:p>
+            <a:endParaRPr lang="zh-TW" altLang="en-US"/>
+          </a:p>
+        </p:txBody>
+      </p:sp>
+      <p:sp>
+        <p:nvSpPr>
+          <p:cNvPr id="4" name="日期版面配置區 3"/>
+          <p:cNvSpPr>
+            <a:spLocks noGrp="1"/>
+          </p:cNvSpPr>
+          <p:nvPr>
+            <p:ph type="dt" sz="half" idx="10"/>
+          </p:nvPr>
+        </p:nvSpPr>
+        <p:spPr/>
+        <p:txBody>
+          <a:bodyPr/>
+          <a:lstStyle/>
+          <a:p>
+            <a:pPr>
+              <a:defRPr/>
+            </a:pPr>
+            <a:fld id="{EAFA5826-B682-454B-8A20-4501725C21E3}" type="datetime1">
+              <a:rPr lang="zh-TW" altLang="en-US" smtClean="0"/>
+              <a:pPr>
+                <a:defRPr/>
+              </a:pPr>
+              <a:t>2018/6/4</a:t>
+            </a:fld>
+            <a:endParaRPr lang="zh-TW" altLang="en-US"/>
+          </a:p>
+        </p:txBody>
+      </p:sp>
+      <p:sp>
+        <p:nvSpPr>
+          <p:cNvPr id="5" name="頁尾版面配置區 4"/>
+          <p:cNvSpPr>
+            <a:spLocks noGrp="1"/>
+          </p:cNvSpPr>
+          <p:nvPr>
+            <p:ph type="ftr" sz="quarter" idx="11"/>
+          </p:nvPr>
+        </p:nvSpPr>
+        <p:spPr/>
+        <p:txBody>
+          <a:bodyPr/>
+          <a:lstStyle/>
+          <a:p>
+            <a:pPr>
+              <a:defRPr/>
+            </a:pPr>
+            <a:r>
+              <a:rPr lang="zh-TW" altLang="en-US" smtClean="0"/>
+              <a:t>軟體系統實驗室</a:t>
+            </a:r>
+            <a:endParaRPr lang="zh-TW" altLang="en-US"/>
+          </a:p>
+        </p:txBody>
+      </p:sp>
+      <p:sp>
+        <p:nvSpPr>
+          <p:cNvPr id="6" name="投影片編號版面配置區 5"/>
+          <p:cNvSpPr>
+            <a:spLocks noGrp="1"/>
+          </p:cNvSpPr>
+          <p:nvPr>
+            <p:ph type="sldNum" sz="quarter" idx="12"/>
+          </p:nvPr>
+        </p:nvSpPr>
+        <p:spPr/>
+        <p:txBody>
+          <a:bodyPr/>
+          <a:lstStyle/>
+          <a:p>
+            <a:fld id="{75A2A58D-E85D-4719-B617-A12C5B989F66}" type="slidenum">
+              <a:rPr lang="zh-TW" altLang="en-US" smtClean="0"/>
+              <a:pPr/>
+              <a:t>18</a:t>
+            </a:fld>
+            <a:endParaRPr lang="zh-TW" altLang="en-US"/>
+          </a:p>
+        </p:txBody>
+      </p:sp>
+    </p:spTree>
+    <p:extLst>
+      <p:ext uri="{BB962C8B-B14F-4D97-AF65-F5344CB8AC3E}">
+        <p14:creationId xmlns:p14="http://schemas.microsoft.com/office/powerpoint/2010/main" val="1712863244"/>
+      </p:ext>
+    </p:extLst>
+  </p:cSld>
+  <p:clrMapOvr>
+    <a:masterClrMapping/>
+  </p:clrMapOvr>
+</p:sld>
+</file>
+
+<file path=ppt/slides/slide19.xml><?xml version="1.0" encoding="utf-8"?>
+<p:sld xmlns:a="http://schemas.openxmlformats.org/drawingml/2006/main" xmlns:r="http://schemas.openxmlformats.org/officeDocument/2006/relationships" xmlns:p="http://schemas.openxmlformats.org/presentationml/2006/main">
+  <p:cSld>
+    <p:spTree>
+      <p:nvGrpSpPr>
+        <p:cNvPr id="1" name=""/>
+        <p:cNvGrpSpPr/>
+        <p:nvPr/>
+      </p:nvGrpSpPr>
+      <p:grpSpPr>
+        <a:xfrm>
+          <a:off x="0" y="0"/>
+          <a:ext cx="0" cy="0"/>
+          <a:chOff x="0" y="0"/>
+          <a:chExt cx="0" cy="0"/>
+        </a:xfrm>
+      </p:grpSpPr>
+      <p:sp>
+        <p:nvSpPr>
+          <p:cNvPr id="2" name="標題 1"/>
+          <p:cNvSpPr>
+            <a:spLocks noGrp="1"/>
+          </p:cNvSpPr>
+          <p:nvPr>
+            <p:ph type="title"/>
+          </p:nvPr>
+        </p:nvSpPr>
+        <p:spPr/>
+        <p:txBody>
+          <a:bodyPr/>
+          <a:lstStyle/>
+          <a:p>
+            <a:endParaRPr lang="zh-TW" altLang="en-US"/>
+          </a:p>
+        </p:txBody>
+      </p:sp>
+      <p:sp>
+        <p:nvSpPr>
+          <p:cNvPr id="3" name="內容版面配置區 2"/>
+          <p:cNvSpPr>
+            <a:spLocks noGrp="1"/>
+          </p:cNvSpPr>
+          <p:nvPr>
+            <p:ph idx="1"/>
+          </p:nvPr>
+        </p:nvSpPr>
+        <p:spPr>
+          <a:xfrm>
+            <a:off x="432427" y="3062038"/>
+            <a:ext cx="8229600" cy="824955"/>
+          </a:xfrm>
+        </p:spPr>
+        <p:txBody>
+          <a:bodyPr/>
+          <a:lstStyle/>
+          <a:p>
+            <a:pPr marL="0" indent="0" algn="ctr">
+              <a:buNone/>
+            </a:pPr>
+            <a:r>
+              <a:rPr lang="en-US" altLang="zh-TW" sz="8800" dirty="0" smtClean="0"/>
+              <a:t>Q&amp;A</a:t>
+            </a:r>
+            <a:endParaRPr lang="zh-TW" altLang="en-US" sz="8800" dirty="0"/>
+          </a:p>
+        </p:txBody>
+      </p:sp>
+      <p:sp>
+        <p:nvSpPr>
+          <p:cNvPr id="4" name="日期版面配置區 3"/>
+          <p:cNvSpPr>
+            <a:spLocks noGrp="1"/>
+          </p:cNvSpPr>
+          <p:nvPr>
+            <p:ph type="dt" sz="half" idx="10"/>
+          </p:nvPr>
+        </p:nvSpPr>
+        <p:spPr/>
+        <p:txBody>
+          <a:bodyPr/>
+          <a:lstStyle/>
+          <a:p>
+            <a:pPr>
+              <a:defRPr/>
+            </a:pPr>
+            <a:fld id="{EAFA5826-B682-454B-8A20-4501725C21E3}" type="datetime1">
+              <a:rPr lang="zh-TW" altLang="en-US" smtClean="0"/>
+              <a:pPr>
+                <a:defRPr/>
+              </a:pPr>
+              <a:t>2018/6/4</a:t>
+            </a:fld>
+            <a:endParaRPr lang="zh-TW" altLang="en-US"/>
+          </a:p>
+        </p:txBody>
+      </p:sp>
+      <p:sp>
+        <p:nvSpPr>
+          <p:cNvPr id="5" name="頁尾版面配置區 4"/>
+          <p:cNvSpPr>
+            <a:spLocks noGrp="1"/>
+          </p:cNvSpPr>
+          <p:nvPr>
+            <p:ph type="ftr" sz="quarter" idx="11"/>
+          </p:nvPr>
+        </p:nvSpPr>
+        <p:spPr/>
+        <p:txBody>
+          <a:bodyPr/>
+          <a:lstStyle/>
+          <a:p>
+            <a:pPr>
+              <a:defRPr/>
+            </a:pPr>
+            <a:r>
+              <a:rPr lang="zh-TW" altLang="en-US" smtClean="0"/>
+              <a:t>軟體系統實驗室</a:t>
+            </a:r>
+            <a:endParaRPr lang="zh-TW" altLang="en-US"/>
+          </a:p>
+        </p:txBody>
+      </p:sp>
+      <p:sp>
+        <p:nvSpPr>
+          <p:cNvPr id="6" name="投影片編號版面配置區 5"/>
+          <p:cNvSpPr>
+            <a:spLocks noGrp="1"/>
+          </p:cNvSpPr>
+          <p:nvPr>
+            <p:ph type="sldNum" sz="quarter" idx="12"/>
+          </p:nvPr>
+        </p:nvSpPr>
+        <p:spPr/>
+        <p:txBody>
+          <a:bodyPr/>
+          <a:lstStyle/>
+          <a:p>
+            <a:fld id="{75A2A58D-E85D-4719-B617-A12C5B989F66}" type="slidenum">
+              <a:rPr lang="zh-TW" altLang="en-US" smtClean="0"/>
+              <a:pPr/>
+              <a:t>19</a:t>
+            </a:fld>
+            <a:endParaRPr lang="zh-TW" altLang="en-US"/>
+          </a:p>
+        </p:txBody>
+      </p:sp>
+    </p:spTree>
+    <p:extLst>
+      <p:ext uri="{BB962C8B-B14F-4D97-AF65-F5344CB8AC3E}">
+        <p14:creationId xmlns:p14="http://schemas.microsoft.com/office/powerpoint/2010/main" val="2612722321"/>
+      </p:ext>
+    </p:extLst>
+  </p:cSld>
+  <p:clrMapOvr>
+    <a:masterClrMapping/>
+  </p:clrMapOvr>
+  <p:timing>
+    <p:tnLst>
+      <p:par>
+        <p:cTn id="1" dur="indefinite" restart="never" nodeType="tmRoot"/>
+      </p:par>
+    </p:tnLst>
+  </p:timing>
+</p:sld>
+</file>
+
 <file path=ppt/slides/slide2.xml><?xml version="1.0" encoding="utf-8"?>
 <p:sld xmlns:a="http://schemas.openxmlformats.org/drawingml/2006/main" xmlns:r="http://schemas.openxmlformats.org/officeDocument/2006/relationships" xmlns:p="http://schemas.openxmlformats.org/presentationml/2006/main">
   <p:cSld>
@@ -4516,9 +7601,28 @@
           <a:p>
             <a:r>
               <a:rPr lang="zh-TW" altLang="en-US" dirty="0" smtClean="0"/>
-              <a:t>研究動機及目標</a:t>
+              <a:t>研究</a:t>
+            </a:r>
+            <a:r>
+              <a:rPr lang="zh-TW" altLang="en-US" dirty="0"/>
+              <a:t>背景與</a:t>
+            </a:r>
+            <a:r>
+              <a:rPr lang="zh-TW" altLang="en-US" dirty="0" smtClean="0"/>
+              <a:t>動機</a:t>
             </a:r>
             <a:endParaRPr lang="en-US" altLang="zh-TW" dirty="0" smtClean="0"/>
+          </a:p>
+          <a:p>
+            <a:r>
+              <a:rPr lang="zh-TW" altLang="en-US" dirty="0" smtClean="0"/>
+              <a:t>研究目</a:t>
+            </a:r>
+            <a:r>
+              <a:rPr lang="zh-TW" altLang="en-US" dirty="0"/>
+              <a:t>標</a:t>
+            </a:r>
+            <a:endParaRPr lang="en-US" altLang="zh-TW" dirty="0"/>
           </a:p>
           <a:p>
             <a:r>
@@ -4821,9 +7925,30 @@
           <a:p>
             <a:r>
               <a:rPr lang="zh-TW" altLang="en-US" dirty="0" smtClean="0"/>
-              <a:t>研究動機及目標</a:t>
+              <a:t>研究背景與動機</a:t>
             </a:r>
             <a:endParaRPr lang="en-US" altLang="zh-TW" dirty="0" smtClean="0"/>
+          </a:p>
+          <a:p>
+            <a:r>
+              <a:rPr lang="zh-TW" altLang="en-US" dirty="0" smtClean="0">
+                <a:solidFill>
+                  <a:schemeClr val="tx2">
+                    <a:lumMod val="20000"/>
+                    <a:lumOff val="80000"/>
+                  </a:schemeClr>
+                </a:solidFill>
+              </a:rPr>
+              <a:t>研究目標</a:t>
+            </a:r>
+            <a:endParaRPr lang="en-US" altLang="zh-TW" dirty="0" smtClean="0">
+              <a:solidFill>
+                <a:schemeClr val="tx2">
+                  <a:lumMod val="20000"/>
+                  <a:lumOff val="80000"/>
+                </a:schemeClr>
+              </a:solidFill>
+            </a:endParaRPr>
           </a:p>
           <a:p>
             <a:r>
@@ -5146,7 +8271,7 @@
       </p:grpSpPr>
       <p:sp>
         <p:nvSpPr>
-          <p:cNvPr id="11" name="標題 10"/>
+          <p:cNvPr id="2" name="標題 1"/>
           <p:cNvSpPr>
             <a:spLocks noGrp="1"/>
           </p:cNvSpPr>
@@ -5159,168 +8284,65 @@
           <a:bodyPr/>
           <a:lstStyle/>
           <a:p>
+            <a:r>
+              <a:rPr lang="zh-TW" altLang="en-US" dirty="0" smtClean="0"/>
+              <a:t>研究背景</a:t>
+            </a:r>
+            <a:endParaRPr lang="zh-TW" altLang="en-US" dirty="0"/>
+          </a:p>
+        </p:txBody>
+      </p:sp>
+      <p:sp>
+        <p:nvSpPr>
+          <p:cNvPr id="3" name="內容版面配置區 2"/>
+          <p:cNvSpPr>
+            <a:spLocks noGrp="1"/>
+          </p:cNvSpPr>
+          <p:nvPr>
+            <p:ph idx="1"/>
+          </p:nvPr>
+        </p:nvSpPr>
+        <p:spPr/>
+        <p:txBody>
+          <a:bodyPr/>
+          <a:lstStyle/>
+          <a:p>
+            <a:endParaRPr lang="zh-TW" altLang="en-US"/>
+          </a:p>
+        </p:txBody>
+      </p:sp>
+      <p:sp>
+        <p:nvSpPr>
+          <p:cNvPr id="4" name="日期版面配置區 3"/>
+          <p:cNvSpPr>
+            <a:spLocks noGrp="1"/>
+          </p:cNvSpPr>
+          <p:nvPr>
+            <p:ph type="dt" sz="half" idx="10"/>
+          </p:nvPr>
+        </p:nvSpPr>
+        <p:spPr/>
+        <p:txBody>
+          <a:bodyPr/>
+          <a:lstStyle/>
+          <a:p>
             <a:pPr>
               <a:defRPr/>
             </a:pPr>
-            <a:r>
-              <a:rPr lang="zh-TW" altLang="en-US" dirty="0" smtClean="0"/>
-              <a:t>大綱</a:t>
-            </a:r>
-            <a:endParaRPr lang="zh-TW" altLang="en-US" dirty="0"/>
-          </a:p>
-        </p:txBody>
-      </p:sp>
-      <p:sp>
-        <p:nvSpPr>
-          <p:cNvPr id="14339" name="內容版面配置區 11"/>
-          <p:cNvSpPr>
-            <a:spLocks noGrp="1"/>
-          </p:cNvSpPr>
-          <p:nvPr>
-            <p:ph idx="1"/>
-          </p:nvPr>
-        </p:nvSpPr>
-        <p:spPr/>
-        <p:txBody>
-          <a:bodyPr/>
-          <a:lstStyle/>
-          <a:p>
-            <a:r>
-              <a:rPr lang="zh-TW" altLang="en-US" dirty="0" smtClean="0">
-                <a:solidFill>
-                  <a:schemeClr val="tx2">
-                    <a:lumMod val="20000"/>
-                    <a:lumOff val="80000"/>
-                  </a:schemeClr>
-                </a:solidFill>
-              </a:rPr>
-              <a:t>研究動機及目標</a:t>
-            </a:r>
-            <a:endParaRPr lang="en-US" altLang="zh-TW" dirty="0" smtClean="0">
-              <a:solidFill>
-                <a:schemeClr val="tx2">
-                  <a:lumMod val="20000"/>
-                  <a:lumOff val="80000"/>
-                </a:schemeClr>
-              </a:solidFill>
-            </a:endParaRPr>
-          </a:p>
-          <a:p>
-            <a:r>
-              <a:rPr lang="zh-TW" altLang="en-US" dirty="0" smtClean="0">
-                <a:solidFill>
-                  <a:schemeClr val="tx2">
-                    <a:lumMod val="75000"/>
-                  </a:schemeClr>
-                </a:solidFill>
-              </a:rPr>
-              <a:t>相關背景知識</a:t>
-            </a:r>
-            <a:endParaRPr lang="en-US" altLang="zh-TW" dirty="0" smtClean="0">
-              <a:solidFill>
-                <a:schemeClr val="tx2">
-                  <a:lumMod val="75000"/>
-                </a:schemeClr>
-              </a:solidFill>
-            </a:endParaRPr>
-          </a:p>
-          <a:p>
-            <a:r>
-              <a:rPr lang="zh-TW" altLang="en-US" dirty="0" smtClean="0">
-                <a:solidFill>
-                  <a:schemeClr val="tx2">
-                    <a:lumMod val="20000"/>
-                    <a:lumOff val="80000"/>
-                  </a:schemeClr>
-                </a:solidFill>
-              </a:rPr>
-              <a:t>方法概念及實作</a:t>
-            </a:r>
-            <a:endParaRPr lang="en-US" altLang="zh-TW" dirty="0" smtClean="0">
-              <a:solidFill>
-                <a:schemeClr val="tx2">
-                  <a:lumMod val="20000"/>
-                  <a:lumOff val="80000"/>
-                </a:schemeClr>
-              </a:solidFill>
-            </a:endParaRPr>
-          </a:p>
-          <a:p>
-            <a:r>
-              <a:rPr lang="zh-TW" altLang="en-US" dirty="0" smtClean="0">
-                <a:solidFill>
-                  <a:schemeClr val="tx2">
-                    <a:lumMod val="20000"/>
-                    <a:lumOff val="80000"/>
-                  </a:schemeClr>
-                </a:solidFill>
-              </a:rPr>
-              <a:t>案例分析</a:t>
-            </a:r>
-            <a:endParaRPr lang="en-US" altLang="zh-TW" dirty="0" smtClean="0">
-              <a:solidFill>
-                <a:schemeClr val="tx2">
-                  <a:lumMod val="20000"/>
-                  <a:lumOff val="80000"/>
-                </a:schemeClr>
-              </a:solidFill>
-            </a:endParaRPr>
-          </a:p>
-          <a:p>
-            <a:r>
-              <a:rPr lang="zh-TW" altLang="en-US" dirty="0" smtClean="0">
-                <a:solidFill>
-                  <a:schemeClr val="tx2">
-                    <a:lumMod val="20000"/>
-                    <a:lumOff val="80000"/>
-                  </a:schemeClr>
-                </a:solidFill>
-              </a:rPr>
-              <a:t>結論與未來研究方向</a:t>
-            </a:r>
-            <a:endParaRPr lang="zh-TW" altLang="en-US" dirty="0" smtClean="0">
-              <a:solidFill>
-                <a:schemeClr val="tx2">
-                  <a:lumMod val="20000"/>
-                  <a:lumOff val="80000"/>
-                </a:schemeClr>
-              </a:solidFill>
-            </a:endParaRPr>
-          </a:p>
-        </p:txBody>
-      </p:sp>
-      <p:sp>
-        <p:nvSpPr>
-          <p:cNvPr id="5" name="日期版面配置區 4"/>
-          <p:cNvSpPr>
-            <a:spLocks noGrp="1"/>
-          </p:cNvSpPr>
-          <p:nvPr>
-            <p:ph type="dt" sz="quarter" idx="10"/>
-          </p:nvPr>
-        </p:nvSpPr>
-        <p:spPr/>
-        <p:txBody>
-          <a:bodyPr/>
-          <a:lstStyle/>
-          <a:p>
-            <a:pPr>
-              <a:defRPr/>
-            </a:pPr>
-            <a:fld id="{8C4365B6-F14D-4045-8E37-64E386527D75}" type="datetime1">
+            <a:fld id="{EAFA5826-B682-454B-8A20-4501725C21E3}" type="datetime1">
               <a:rPr lang="zh-TW" altLang="en-US" smtClean="0"/>
               <a:pPr>
                 <a:defRPr/>
               </a:pPr>
               <a:t>2018/6/4</a:t>
             </a:fld>
-            <a:endParaRPr lang="zh-TW" altLang="en-US" dirty="0"/>
-          </a:p>
-        </p:txBody>
-      </p:sp>
-      <p:sp>
-        <p:nvSpPr>
-          <p:cNvPr id="7" name="頁尾版面配置區 6"/>
+            <a:endParaRPr lang="zh-TW" altLang="en-US"/>
+          </a:p>
+        </p:txBody>
+      </p:sp>
+      <p:sp>
+        <p:nvSpPr>
+          <p:cNvPr id="5" name="頁尾版面配置區 4"/>
           <p:cNvSpPr>
             <a:spLocks noGrp="1"/>
           </p:cNvSpPr>
@@ -5346,7 +8368,7 @@
       </p:sp>
       <p:sp>
         <p:nvSpPr>
-          <p:cNvPr id="4" name="投影片編號版面配置區 3"/>
+          <p:cNvPr id="6" name="投影片編號版面配置區 5"/>
           <p:cNvSpPr>
             <a:spLocks noGrp="1"/>
           </p:cNvSpPr>
@@ -5357,138 +8379,21 @@
         <p:spPr/>
         <p:txBody>
           <a:bodyPr/>
-          <a:lstStyle>
-            <a:lvl1pPr eaLnBrk="0" hangingPunct="0">
-              <a:defRPr kumimoji="1">
-                <a:solidFill>
-                  <a:schemeClr val="tx1"/>
-                </a:solidFill>
-                <a:latin typeface="Arial" panose="020B0604020202020204" pitchFamily="34" charset="0"/>
-                <a:ea typeface="新細明體" panose="02020500000000000000" pitchFamily="18" charset="-120"/>
-              </a:defRPr>
-            </a:lvl1pPr>
-            <a:lvl2pPr marL="742950" indent="-285750" eaLnBrk="0" hangingPunct="0">
-              <a:defRPr kumimoji="1">
-                <a:solidFill>
-                  <a:schemeClr val="tx1"/>
-                </a:solidFill>
-                <a:latin typeface="Arial" panose="020B0604020202020204" pitchFamily="34" charset="0"/>
-                <a:ea typeface="新細明體" panose="02020500000000000000" pitchFamily="18" charset="-120"/>
-              </a:defRPr>
-            </a:lvl2pPr>
-            <a:lvl3pPr marL="1143000" indent="-228600" eaLnBrk="0" hangingPunct="0">
-              <a:defRPr kumimoji="1">
-                <a:solidFill>
-                  <a:schemeClr val="tx1"/>
-                </a:solidFill>
-                <a:latin typeface="Arial" panose="020B0604020202020204" pitchFamily="34" charset="0"/>
-                <a:ea typeface="新細明體" panose="02020500000000000000" pitchFamily="18" charset="-120"/>
-              </a:defRPr>
-            </a:lvl3pPr>
-            <a:lvl4pPr marL="1600200" indent="-228600" eaLnBrk="0" hangingPunct="0">
-              <a:defRPr kumimoji="1">
-                <a:solidFill>
-                  <a:schemeClr val="tx1"/>
-                </a:solidFill>
-                <a:latin typeface="Arial" panose="020B0604020202020204" pitchFamily="34" charset="0"/>
-                <a:ea typeface="新細明體" panose="02020500000000000000" pitchFamily="18" charset="-120"/>
-              </a:defRPr>
-            </a:lvl4pPr>
-            <a:lvl5pPr marL="2057400" indent="-228600" eaLnBrk="0" hangingPunct="0">
-              <a:defRPr kumimoji="1">
-                <a:solidFill>
-                  <a:schemeClr val="tx1"/>
-                </a:solidFill>
-                <a:latin typeface="Arial" panose="020B0604020202020204" pitchFamily="34" charset="0"/>
-                <a:ea typeface="新細明體" panose="02020500000000000000" pitchFamily="18" charset="-120"/>
-              </a:defRPr>
-            </a:lvl5pPr>
-            <a:lvl6pPr marL="2514600" indent="-228600" eaLnBrk="0" fontAlgn="base" hangingPunct="0">
-              <a:spcBef>
-                <a:spcPct val="0"/>
-              </a:spcBef>
-              <a:spcAft>
-                <a:spcPct val="0"/>
-              </a:spcAft>
-              <a:defRPr kumimoji="1">
-                <a:solidFill>
-                  <a:schemeClr val="tx1"/>
-                </a:solidFill>
-                <a:latin typeface="Arial" panose="020B0604020202020204" pitchFamily="34" charset="0"/>
-                <a:ea typeface="新細明體" panose="02020500000000000000" pitchFamily="18" charset="-120"/>
-              </a:defRPr>
-            </a:lvl6pPr>
-            <a:lvl7pPr marL="2971800" indent="-228600" eaLnBrk="0" fontAlgn="base" hangingPunct="0">
-              <a:spcBef>
-                <a:spcPct val="0"/>
-              </a:spcBef>
-              <a:spcAft>
-                <a:spcPct val="0"/>
-              </a:spcAft>
-              <a:defRPr kumimoji="1">
-                <a:solidFill>
-                  <a:schemeClr val="tx1"/>
-                </a:solidFill>
-                <a:latin typeface="Arial" panose="020B0604020202020204" pitchFamily="34" charset="0"/>
-                <a:ea typeface="新細明體" panose="02020500000000000000" pitchFamily="18" charset="-120"/>
-              </a:defRPr>
-            </a:lvl7pPr>
-            <a:lvl8pPr marL="3429000" indent="-228600" eaLnBrk="0" fontAlgn="base" hangingPunct="0">
-              <a:spcBef>
-                <a:spcPct val="0"/>
-              </a:spcBef>
-              <a:spcAft>
-                <a:spcPct val="0"/>
-              </a:spcAft>
-              <a:defRPr kumimoji="1">
-                <a:solidFill>
-                  <a:schemeClr val="tx1"/>
-                </a:solidFill>
-                <a:latin typeface="Arial" panose="020B0604020202020204" pitchFamily="34" charset="0"/>
-                <a:ea typeface="新細明體" panose="02020500000000000000" pitchFamily="18" charset="-120"/>
-              </a:defRPr>
-            </a:lvl8pPr>
-            <a:lvl9pPr marL="3886200" indent="-228600" eaLnBrk="0" fontAlgn="base" hangingPunct="0">
-              <a:spcBef>
-                <a:spcPct val="0"/>
-              </a:spcBef>
-              <a:spcAft>
-                <a:spcPct val="0"/>
-              </a:spcAft>
-              <a:defRPr kumimoji="1">
-                <a:solidFill>
-                  <a:schemeClr val="tx1"/>
-                </a:solidFill>
-                <a:latin typeface="Arial" panose="020B0604020202020204" pitchFamily="34" charset="0"/>
-                <a:ea typeface="新細明體" panose="02020500000000000000" pitchFamily="18" charset="-120"/>
-              </a:defRPr>
-            </a:lvl9pPr>
-          </a:lstStyle>
-          <a:p>
-            <a:pPr eaLnBrk="1" hangingPunct="1"/>
-            <a:fld id="{190A5E35-A5C2-4CE5-935A-79786C112CF7}" type="slidenum">
-              <a:rPr kumimoji="0" lang="zh-TW" altLang="en-US">
-                <a:solidFill>
-                  <a:srgbClr val="215968"/>
-                </a:solidFill>
-                <a:latin typeface="Calibri" panose="020F0502020204030204" pitchFamily="34" charset="0"/>
-              </a:rPr>
-              <a:pPr eaLnBrk="1" hangingPunct="1"/>
+          <a:lstStyle/>
+          <a:p>
+            <a:fld id="{75A2A58D-E85D-4719-B617-A12C5B989F66}" type="slidenum">
+              <a:rPr lang="zh-TW" altLang="en-US" smtClean="0"/>
+              <a:pPr/>
               <a:t>4</a:t>
             </a:fld>
-            <a:endParaRPr kumimoji="0" lang="zh-TW" altLang="en-US">
-              <a:solidFill>
-                <a:srgbClr val="215968"/>
-              </a:solidFill>
-              <a:latin typeface="Calibri" panose="020F0502020204030204" pitchFamily="34" charset="0"/>
-            </a:endParaRPr>
+            <a:endParaRPr lang="zh-TW" altLang="en-US"/>
           </a:p>
         </p:txBody>
       </p:sp>
     </p:spTree>
     <p:extLst>
       <p:ext uri="{BB962C8B-B14F-4D97-AF65-F5344CB8AC3E}">
-        <p14:creationId xmlns:p14="http://schemas.microsoft.com/office/powerpoint/2010/main" val="3394312187"/>
+        <p14:creationId xmlns:p14="http://schemas.microsoft.com/office/powerpoint/2010/main" val="284023663"/>
       </p:ext>
     </p:extLst>
   </p:cSld>
@@ -5524,7 +8429,7 @@
       </p:grpSpPr>
       <p:sp>
         <p:nvSpPr>
-          <p:cNvPr id="11" name="標題 10"/>
+          <p:cNvPr id="2" name="標題 1"/>
           <p:cNvSpPr>
             <a:spLocks noGrp="1"/>
           </p:cNvSpPr>
@@ -5537,168 +8442,73 @@
           <a:bodyPr/>
           <a:lstStyle/>
           <a:p>
+            <a:r>
+              <a:rPr lang="zh-TW" altLang="en-US" dirty="0" smtClean="0"/>
+              <a:t>研</a:t>
+            </a:r>
+            <a:r>
+              <a:rPr lang="zh-TW" altLang="en-US" dirty="0"/>
+              <a:t>究</a:t>
+            </a:r>
+            <a:r>
+              <a:rPr lang="zh-TW" altLang="en-US" dirty="0" smtClean="0"/>
+              <a:t>動機</a:t>
+            </a:r>
+            <a:endParaRPr lang="zh-TW" altLang="en-US" dirty="0"/>
+          </a:p>
+        </p:txBody>
+      </p:sp>
+      <p:sp>
+        <p:nvSpPr>
+          <p:cNvPr id="3" name="內容版面配置區 2"/>
+          <p:cNvSpPr>
+            <a:spLocks noGrp="1"/>
+          </p:cNvSpPr>
+          <p:nvPr>
+            <p:ph idx="1"/>
+          </p:nvPr>
+        </p:nvSpPr>
+        <p:spPr/>
+        <p:txBody>
+          <a:bodyPr/>
+          <a:lstStyle/>
+          <a:p>
+            <a:endParaRPr lang="zh-TW" altLang="en-US"/>
+          </a:p>
+        </p:txBody>
+      </p:sp>
+      <p:sp>
+        <p:nvSpPr>
+          <p:cNvPr id="4" name="日期版面配置區 3"/>
+          <p:cNvSpPr>
+            <a:spLocks noGrp="1"/>
+          </p:cNvSpPr>
+          <p:nvPr>
+            <p:ph type="dt" sz="half" idx="10"/>
+          </p:nvPr>
+        </p:nvSpPr>
+        <p:spPr/>
+        <p:txBody>
+          <a:bodyPr/>
+          <a:lstStyle/>
+          <a:p>
             <a:pPr>
               <a:defRPr/>
             </a:pPr>
-            <a:r>
-              <a:rPr lang="zh-TW" altLang="en-US" dirty="0" smtClean="0"/>
-              <a:t>大綱</a:t>
-            </a:r>
-            <a:endParaRPr lang="zh-TW" altLang="en-US" dirty="0"/>
-          </a:p>
-        </p:txBody>
-      </p:sp>
-      <p:sp>
-        <p:nvSpPr>
-          <p:cNvPr id="14339" name="內容版面配置區 11"/>
-          <p:cNvSpPr>
-            <a:spLocks noGrp="1"/>
-          </p:cNvSpPr>
-          <p:nvPr>
-            <p:ph idx="1"/>
-          </p:nvPr>
-        </p:nvSpPr>
-        <p:spPr/>
-        <p:txBody>
-          <a:bodyPr/>
-          <a:lstStyle/>
-          <a:p>
-            <a:r>
-              <a:rPr lang="zh-TW" altLang="en-US" dirty="0" smtClean="0">
-                <a:solidFill>
-                  <a:schemeClr val="tx2">
-                    <a:lumMod val="20000"/>
-                    <a:lumOff val="80000"/>
-                  </a:schemeClr>
-                </a:solidFill>
-              </a:rPr>
-              <a:t>研究動機及目標</a:t>
-            </a:r>
-            <a:endParaRPr lang="en-US" altLang="zh-TW" dirty="0" smtClean="0">
-              <a:solidFill>
-                <a:schemeClr val="tx2">
-                  <a:lumMod val="20000"/>
-                  <a:lumOff val="80000"/>
-                </a:schemeClr>
-              </a:solidFill>
-            </a:endParaRPr>
-          </a:p>
-          <a:p>
-            <a:r>
-              <a:rPr lang="zh-TW" altLang="en-US" dirty="0" smtClean="0">
-                <a:solidFill>
-                  <a:schemeClr val="tx2">
-                    <a:lumMod val="20000"/>
-                    <a:lumOff val="80000"/>
-                  </a:schemeClr>
-                </a:solidFill>
-              </a:rPr>
-              <a:t>相關背景知識</a:t>
-            </a:r>
-            <a:endParaRPr lang="en-US" altLang="zh-TW" dirty="0" smtClean="0">
-              <a:solidFill>
-                <a:schemeClr val="tx2">
-                  <a:lumMod val="20000"/>
-                  <a:lumOff val="80000"/>
-                </a:schemeClr>
-              </a:solidFill>
-            </a:endParaRPr>
-          </a:p>
-          <a:p>
-            <a:r>
-              <a:rPr lang="zh-TW" altLang="en-US" dirty="0" smtClean="0">
-                <a:solidFill>
-                  <a:schemeClr val="tx2">
-                    <a:lumMod val="75000"/>
-                  </a:schemeClr>
-                </a:solidFill>
-              </a:rPr>
-              <a:t>方法概念及實作</a:t>
-            </a:r>
-            <a:endParaRPr lang="en-US" altLang="zh-TW" dirty="0" smtClean="0">
-              <a:solidFill>
-                <a:schemeClr val="tx2">
-                  <a:lumMod val="75000"/>
-                </a:schemeClr>
-              </a:solidFill>
-            </a:endParaRPr>
-          </a:p>
-          <a:p>
-            <a:r>
-              <a:rPr lang="zh-TW" altLang="en-US" dirty="0" smtClean="0">
-                <a:solidFill>
-                  <a:schemeClr val="tx2">
-                    <a:lumMod val="20000"/>
-                    <a:lumOff val="80000"/>
-                  </a:schemeClr>
-                </a:solidFill>
-              </a:rPr>
-              <a:t>案例分析</a:t>
-            </a:r>
-            <a:endParaRPr lang="en-US" altLang="zh-TW" dirty="0" smtClean="0">
-              <a:solidFill>
-                <a:schemeClr val="tx2">
-                  <a:lumMod val="20000"/>
-                  <a:lumOff val="80000"/>
-                </a:schemeClr>
-              </a:solidFill>
-            </a:endParaRPr>
-          </a:p>
-          <a:p>
-            <a:r>
-              <a:rPr lang="zh-TW" altLang="en-US" dirty="0" smtClean="0">
-                <a:solidFill>
-                  <a:schemeClr val="tx2">
-                    <a:lumMod val="20000"/>
-                    <a:lumOff val="80000"/>
-                  </a:schemeClr>
-                </a:solidFill>
-              </a:rPr>
-              <a:t>結論與未來研究方向</a:t>
-            </a:r>
-            <a:endParaRPr lang="zh-TW" altLang="en-US" dirty="0" smtClean="0">
-              <a:solidFill>
-                <a:schemeClr val="tx2">
-                  <a:lumMod val="20000"/>
-                  <a:lumOff val="80000"/>
-                </a:schemeClr>
-              </a:solidFill>
-            </a:endParaRPr>
-          </a:p>
-        </p:txBody>
-      </p:sp>
-      <p:sp>
-        <p:nvSpPr>
-          <p:cNvPr id="5" name="日期版面配置區 4"/>
-          <p:cNvSpPr>
-            <a:spLocks noGrp="1"/>
-          </p:cNvSpPr>
-          <p:nvPr>
-            <p:ph type="dt" sz="quarter" idx="10"/>
-          </p:nvPr>
-        </p:nvSpPr>
-        <p:spPr/>
-        <p:txBody>
-          <a:bodyPr/>
-          <a:lstStyle/>
-          <a:p>
-            <a:pPr>
-              <a:defRPr/>
-            </a:pPr>
-            <a:fld id="{8C4365B6-F14D-4045-8E37-64E386527D75}" type="datetime1">
+            <a:fld id="{EAFA5826-B682-454B-8A20-4501725C21E3}" type="datetime1">
               <a:rPr lang="zh-TW" altLang="en-US" smtClean="0"/>
               <a:pPr>
                 <a:defRPr/>
               </a:pPr>
               <a:t>2018/6/4</a:t>
             </a:fld>
-            <a:endParaRPr lang="zh-TW" altLang="en-US" dirty="0"/>
-          </a:p>
-        </p:txBody>
-      </p:sp>
-      <p:sp>
-        <p:nvSpPr>
-          <p:cNvPr id="7" name="頁尾版面配置區 6"/>
+            <a:endParaRPr lang="zh-TW" altLang="en-US"/>
+          </a:p>
+        </p:txBody>
+      </p:sp>
+      <p:sp>
+        <p:nvSpPr>
+          <p:cNvPr id="5" name="頁尾版面配置區 4"/>
           <p:cNvSpPr>
             <a:spLocks noGrp="1"/>
           </p:cNvSpPr>
@@ -5724,7 +8534,7 @@
       </p:sp>
       <p:sp>
         <p:nvSpPr>
-          <p:cNvPr id="4" name="投影片編號版面配置區 3"/>
+          <p:cNvPr id="6" name="投影片編號版面配置區 5"/>
           <p:cNvSpPr>
             <a:spLocks noGrp="1"/>
           </p:cNvSpPr>
@@ -5735,138 +8545,21 @@
         <p:spPr/>
         <p:txBody>
           <a:bodyPr/>
-          <a:lstStyle>
-            <a:lvl1pPr eaLnBrk="0" hangingPunct="0">
-              <a:defRPr kumimoji="1">
-                <a:solidFill>
-                  <a:schemeClr val="tx1"/>
-                </a:solidFill>
-                <a:latin typeface="Arial" panose="020B0604020202020204" pitchFamily="34" charset="0"/>
-                <a:ea typeface="新細明體" panose="02020500000000000000" pitchFamily="18" charset="-120"/>
-              </a:defRPr>
-            </a:lvl1pPr>
-            <a:lvl2pPr marL="742950" indent="-285750" eaLnBrk="0" hangingPunct="0">
-              <a:defRPr kumimoji="1">
-                <a:solidFill>
-                  <a:schemeClr val="tx1"/>
-                </a:solidFill>
-                <a:latin typeface="Arial" panose="020B0604020202020204" pitchFamily="34" charset="0"/>
-                <a:ea typeface="新細明體" panose="02020500000000000000" pitchFamily="18" charset="-120"/>
-              </a:defRPr>
-            </a:lvl2pPr>
-            <a:lvl3pPr marL="1143000" indent="-228600" eaLnBrk="0" hangingPunct="0">
-              <a:defRPr kumimoji="1">
-                <a:solidFill>
-                  <a:schemeClr val="tx1"/>
-                </a:solidFill>
-                <a:latin typeface="Arial" panose="020B0604020202020204" pitchFamily="34" charset="0"/>
-                <a:ea typeface="新細明體" panose="02020500000000000000" pitchFamily="18" charset="-120"/>
-              </a:defRPr>
-            </a:lvl3pPr>
-            <a:lvl4pPr marL="1600200" indent="-228600" eaLnBrk="0" hangingPunct="0">
-              <a:defRPr kumimoji="1">
-                <a:solidFill>
-                  <a:schemeClr val="tx1"/>
-                </a:solidFill>
-                <a:latin typeface="Arial" panose="020B0604020202020204" pitchFamily="34" charset="0"/>
-                <a:ea typeface="新細明體" panose="02020500000000000000" pitchFamily="18" charset="-120"/>
-              </a:defRPr>
-            </a:lvl4pPr>
-            <a:lvl5pPr marL="2057400" indent="-228600" eaLnBrk="0" hangingPunct="0">
-              <a:defRPr kumimoji="1">
-                <a:solidFill>
-                  <a:schemeClr val="tx1"/>
-                </a:solidFill>
-                <a:latin typeface="Arial" panose="020B0604020202020204" pitchFamily="34" charset="0"/>
-                <a:ea typeface="新細明體" panose="02020500000000000000" pitchFamily="18" charset="-120"/>
-              </a:defRPr>
-            </a:lvl5pPr>
-            <a:lvl6pPr marL="2514600" indent="-228600" eaLnBrk="0" fontAlgn="base" hangingPunct="0">
-              <a:spcBef>
-                <a:spcPct val="0"/>
-              </a:spcBef>
-              <a:spcAft>
-                <a:spcPct val="0"/>
-              </a:spcAft>
-              <a:defRPr kumimoji="1">
-                <a:solidFill>
-                  <a:schemeClr val="tx1"/>
-                </a:solidFill>
-                <a:latin typeface="Arial" panose="020B0604020202020204" pitchFamily="34" charset="0"/>
-                <a:ea typeface="新細明體" panose="02020500000000000000" pitchFamily="18" charset="-120"/>
-              </a:defRPr>
-            </a:lvl6pPr>
-            <a:lvl7pPr marL="2971800" indent="-228600" eaLnBrk="0" fontAlgn="base" hangingPunct="0">
-              <a:spcBef>
-                <a:spcPct val="0"/>
-              </a:spcBef>
-              <a:spcAft>
-                <a:spcPct val="0"/>
-              </a:spcAft>
-              <a:defRPr kumimoji="1">
-                <a:solidFill>
-                  <a:schemeClr val="tx1"/>
-                </a:solidFill>
-                <a:latin typeface="Arial" panose="020B0604020202020204" pitchFamily="34" charset="0"/>
-                <a:ea typeface="新細明體" panose="02020500000000000000" pitchFamily="18" charset="-120"/>
-              </a:defRPr>
-            </a:lvl7pPr>
-            <a:lvl8pPr marL="3429000" indent="-228600" eaLnBrk="0" fontAlgn="base" hangingPunct="0">
-              <a:spcBef>
-                <a:spcPct val="0"/>
-              </a:spcBef>
-              <a:spcAft>
-                <a:spcPct val="0"/>
-              </a:spcAft>
-              <a:defRPr kumimoji="1">
-                <a:solidFill>
-                  <a:schemeClr val="tx1"/>
-                </a:solidFill>
-                <a:latin typeface="Arial" panose="020B0604020202020204" pitchFamily="34" charset="0"/>
-                <a:ea typeface="新細明體" panose="02020500000000000000" pitchFamily="18" charset="-120"/>
-              </a:defRPr>
-            </a:lvl8pPr>
-            <a:lvl9pPr marL="3886200" indent="-228600" eaLnBrk="0" fontAlgn="base" hangingPunct="0">
-              <a:spcBef>
-                <a:spcPct val="0"/>
-              </a:spcBef>
-              <a:spcAft>
-                <a:spcPct val="0"/>
-              </a:spcAft>
-              <a:defRPr kumimoji="1">
-                <a:solidFill>
-                  <a:schemeClr val="tx1"/>
-                </a:solidFill>
-                <a:latin typeface="Arial" panose="020B0604020202020204" pitchFamily="34" charset="0"/>
-                <a:ea typeface="新細明體" panose="02020500000000000000" pitchFamily="18" charset="-120"/>
-              </a:defRPr>
-            </a:lvl9pPr>
-          </a:lstStyle>
-          <a:p>
-            <a:pPr eaLnBrk="1" hangingPunct="1"/>
-            <a:fld id="{190A5E35-A5C2-4CE5-935A-79786C112CF7}" type="slidenum">
-              <a:rPr kumimoji="0" lang="zh-TW" altLang="en-US">
-                <a:solidFill>
-                  <a:srgbClr val="215968"/>
-                </a:solidFill>
-                <a:latin typeface="Calibri" panose="020F0502020204030204" pitchFamily="34" charset="0"/>
-              </a:rPr>
-              <a:pPr eaLnBrk="1" hangingPunct="1"/>
+          <a:lstStyle/>
+          <a:p>
+            <a:fld id="{75A2A58D-E85D-4719-B617-A12C5B989F66}" type="slidenum">
+              <a:rPr lang="zh-TW" altLang="en-US" smtClean="0"/>
+              <a:pPr/>
               <a:t>5</a:t>
             </a:fld>
-            <a:endParaRPr kumimoji="0" lang="zh-TW" altLang="en-US">
-              <a:solidFill>
-                <a:srgbClr val="215968"/>
-              </a:solidFill>
-              <a:latin typeface="Calibri" panose="020F0502020204030204" pitchFamily="34" charset="0"/>
-            </a:endParaRPr>
+            <a:endParaRPr lang="zh-TW" altLang="en-US"/>
           </a:p>
         </p:txBody>
       </p:sp>
     </p:spTree>
     <p:extLst>
       <p:ext uri="{BB962C8B-B14F-4D97-AF65-F5344CB8AC3E}">
-        <p14:creationId xmlns:p14="http://schemas.microsoft.com/office/powerpoint/2010/main" val="4268326670"/>
+        <p14:creationId xmlns:p14="http://schemas.microsoft.com/office/powerpoint/2010/main" val="2323840043"/>
       </p:ext>
     </p:extLst>
   </p:cSld>
@@ -5950,7 +8643,7 @@
                   </a:schemeClr>
                 </a:solidFill>
               </a:rPr>
-              <a:t>研究動機及目標</a:t>
+              <a:t>研究背景與動機</a:t>
             </a:r>
             <a:endParaRPr lang="en-US" altLang="zh-TW" dirty="0" smtClean="0">
               <a:solidFill>
@@ -5963,6 +8656,35 @@
           </a:p>
           <a:p>
             <a:r>
+              <a:rPr lang="zh-TW" altLang="en-US" dirty="0">
+                <a:solidFill>
+                  <a:schemeClr val="tx2">
+                    <a:lumMod val="75000"/>
+                  </a:schemeClr>
+                </a:solidFill>
+              </a:rPr>
+              <a:t>研究</a:t>
+            </a:r>
+            <a:r>
+              <a:rPr lang="zh-TW" altLang="en-US" dirty="0" smtClean="0">
+                <a:solidFill>
+                  <a:schemeClr val="tx2">
+                    <a:lumMod val="75000"/>
+                  </a:schemeClr>
+                </a:solidFill>
+              </a:rPr>
+              <a:t>目標</a:t>
+            </a:r>
+            <a:endParaRPr lang="en-US" altLang="zh-TW" dirty="0" smtClean="0">
+              <a:solidFill>
+                <a:schemeClr val="tx2">
+                  <a:lumMod val="75000"/>
+                </a:schemeClr>
+              </a:solidFill>
+            </a:endParaRPr>
+          </a:p>
+          <a:p>
+            <a:r>
               <a:rPr lang="zh-TW" altLang="en-US" dirty="0" smtClean="0">
                 <a:solidFill>
                   <a:schemeClr val="tx2">
@@ -6008,7 +8730,8 @@
               <a:rPr lang="zh-TW" altLang="en-US" dirty="0" smtClean="0">
                 <a:solidFill>
                   <a:schemeClr val="tx2">
-                    <a:lumMod val="75000"/>
+                    <a:lumMod val="20000"/>
+                    <a:lumOff val="80000"/>
                   </a:schemeClr>
                 </a:solidFill>
               </a:rPr>
@@ -6017,7 +8740,8 @@
             <a:endParaRPr lang="en-US" altLang="zh-TW" dirty="0" smtClean="0">
               <a:solidFill>
                 <a:schemeClr val="tx2">
-                  <a:lumMod val="75000"/>
+                  <a:lumMod val="20000"/>
+                  <a:lumOff val="80000"/>
                 </a:schemeClr>
               </a:solidFill>
             </a:endParaRPr>
@@ -6244,7 +8968,7 @@
     </p:spTree>
     <p:extLst>
       <p:ext uri="{BB962C8B-B14F-4D97-AF65-F5344CB8AC3E}">
-        <p14:creationId xmlns:p14="http://schemas.microsoft.com/office/powerpoint/2010/main" val="3209875434"/>
+        <p14:creationId xmlns:p14="http://schemas.microsoft.com/office/powerpoint/2010/main" val="758980410"/>
       </p:ext>
     </p:extLst>
   </p:cSld>
@@ -6280,7 +9004,7 @@
       </p:grpSpPr>
       <p:sp>
         <p:nvSpPr>
-          <p:cNvPr id="11" name="標題 10"/>
+          <p:cNvPr id="2" name="標題 1"/>
           <p:cNvSpPr>
             <a:spLocks noGrp="1"/>
           </p:cNvSpPr>
@@ -6293,168 +9017,65 @@
           <a:bodyPr/>
           <a:lstStyle/>
           <a:p>
+            <a:r>
+              <a:rPr lang="zh-TW" altLang="en-US" dirty="0" smtClean="0"/>
+              <a:t>研究目標</a:t>
+            </a:r>
+            <a:endParaRPr lang="zh-TW" altLang="en-US" dirty="0"/>
+          </a:p>
+        </p:txBody>
+      </p:sp>
+      <p:sp>
+        <p:nvSpPr>
+          <p:cNvPr id="3" name="內容版面配置區 2"/>
+          <p:cNvSpPr>
+            <a:spLocks noGrp="1"/>
+          </p:cNvSpPr>
+          <p:nvPr>
+            <p:ph idx="1"/>
+          </p:nvPr>
+        </p:nvSpPr>
+        <p:spPr/>
+        <p:txBody>
+          <a:bodyPr/>
+          <a:lstStyle/>
+          <a:p>
+            <a:endParaRPr lang="zh-TW" altLang="en-US"/>
+          </a:p>
+        </p:txBody>
+      </p:sp>
+      <p:sp>
+        <p:nvSpPr>
+          <p:cNvPr id="4" name="日期版面配置區 3"/>
+          <p:cNvSpPr>
+            <a:spLocks noGrp="1"/>
+          </p:cNvSpPr>
+          <p:nvPr>
+            <p:ph type="dt" sz="half" idx="10"/>
+          </p:nvPr>
+        </p:nvSpPr>
+        <p:spPr/>
+        <p:txBody>
+          <a:bodyPr/>
+          <a:lstStyle/>
+          <a:p>
             <a:pPr>
               <a:defRPr/>
             </a:pPr>
-            <a:r>
-              <a:rPr lang="zh-TW" altLang="en-US" dirty="0" smtClean="0"/>
-              <a:t>大綱</a:t>
-            </a:r>
-            <a:endParaRPr lang="zh-TW" altLang="en-US" dirty="0"/>
-          </a:p>
-        </p:txBody>
-      </p:sp>
-      <p:sp>
-        <p:nvSpPr>
-          <p:cNvPr id="14339" name="內容版面配置區 11"/>
-          <p:cNvSpPr>
-            <a:spLocks noGrp="1"/>
-          </p:cNvSpPr>
-          <p:nvPr>
-            <p:ph idx="1"/>
-          </p:nvPr>
-        </p:nvSpPr>
-        <p:spPr/>
-        <p:txBody>
-          <a:bodyPr/>
-          <a:lstStyle/>
-          <a:p>
-            <a:r>
-              <a:rPr lang="zh-TW" altLang="en-US" dirty="0" smtClean="0">
-                <a:solidFill>
-                  <a:schemeClr val="tx2">
-                    <a:lumMod val="20000"/>
-                    <a:lumOff val="80000"/>
-                  </a:schemeClr>
-                </a:solidFill>
-              </a:rPr>
-              <a:t>研究動機及目標</a:t>
-            </a:r>
-            <a:endParaRPr lang="en-US" altLang="zh-TW" dirty="0" smtClean="0">
-              <a:solidFill>
-                <a:schemeClr val="tx2">
-                  <a:lumMod val="20000"/>
-                  <a:lumOff val="80000"/>
-                </a:schemeClr>
-              </a:solidFill>
-            </a:endParaRPr>
-          </a:p>
-          <a:p>
-            <a:r>
-              <a:rPr lang="zh-TW" altLang="en-US" dirty="0" smtClean="0">
-                <a:solidFill>
-                  <a:schemeClr val="tx2">
-                    <a:lumMod val="20000"/>
-                    <a:lumOff val="80000"/>
-                  </a:schemeClr>
-                </a:solidFill>
-              </a:rPr>
-              <a:t>相關背景知識</a:t>
-            </a:r>
-            <a:endParaRPr lang="en-US" altLang="zh-TW" dirty="0" smtClean="0">
-              <a:solidFill>
-                <a:schemeClr val="tx2">
-                  <a:lumMod val="20000"/>
-                  <a:lumOff val="80000"/>
-                </a:schemeClr>
-              </a:solidFill>
-            </a:endParaRPr>
-          </a:p>
-          <a:p>
-            <a:r>
-              <a:rPr lang="zh-TW" altLang="en-US" dirty="0" smtClean="0">
-                <a:solidFill>
-                  <a:schemeClr val="tx2">
-                    <a:lumMod val="20000"/>
-                    <a:lumOff val="80000"/>
-                  </a:schemeClr>
-                </a:solidFill>
-              </a:rPr>
-              <a:t>方法概念及實作</a:t>
-            </a:r>
-            <a:endParaRPr lang="en-US" altLang="zh-TW" dirty="0" smtClean="0">
-              <a:solidFill>
-                <a:schemeClr val="tx2">
-                  <a:lumMod val="20000"/>
-                  <a:lumOff val="80000"/>
-                </a:schemeClr>
-              </a:solidFill>
-            </a:endParaRPr>
-          </a:p>
-          <a:p>
-            <a:r>
-              <a:rPr lang="zh-TW" altLang="en-US" dirty="0" smtClean="0">
-                <a:solidFill>
-                  <a:schemeClr val="tx2">
-                    <a:lumMod val="20000"/>
-                    <a:lumOff val="80000"/>
-                  </a:schemeClr>
-                </a:solidFill>
-              </a:rPr>
-              <a:t>案例分析</a:t>
-            </a:r>
-            <a:endParaRPr lang="en-US" altLang="zh-TW" dirty="0" smtClean="0">
-              <a:solidFill>
-                <a:schemeClr val="tx2">
-                  <a:lumMod val="20000"/>
-                  <a:lumOff val="80000"/>
-                </a:schemeClr>
-              </a:solidFill>
-            </a:endParaRPr>
-          </a:p>
-          <a:p>
-            <a:r>
-              <a:rPr lang="zh-TW" altLang="en-US" dirty="0" smtClean="0">
-                <a:solidFill>
-                  <a:schemeClr val="tx2">
-                    <a:lumMod val="75000"/>
-                  </a:schemeClr>
-                </a:solidFill>
-              </a:rPr>
-              <a:t>結論與未來研究方向</a:t>
-            </a:r>
-            <a:endParaRPr lang="zh-TW" altLang="en-US" dirty="0" smtClean="0">
-              <a:solidFill>
-                <a:schemeClr val="tx2">
-                  <a:lumMod val="75000"/>
-                </a:schemeClr>
-              </a:solidFill>
-            </a:endParaRPr>
-          </a:p>
-        </p:txBody>
-      </p:sp>
-      <p:sp>
-        <p:nvSpPr>
-          <p:cNvPr id="5" name="日期版面配置區 4"/>
-          <p:cNvSpPr>
-            <a:spLocks noGrp="1"/>
-          </p:cNvSpPr>
-          <p:nvPr>
-            <p:ph type="dt" sz="quarter" idx="10"/>
-          </p:nvPr>
-        </p:nvSpPr>
-        <p:spPr/>
-        <p:txBody>
-          <a:bodyPr/>
-          <a:lstStyle/>
-          <a:p>
-            <a:pPr>
-              <a:defRPr/>
-            </a:pPr>
-            <a:fld id="{8C4365B6-F14D-4045-8E37-64E386527D75}" type="datetime1">
+            <a:fld id="{EAFA5826-B682-454B-8A20-4501725C21E3}" type="datetime1">
               <a:rPr lang="zh-TW" altLang="en-US" smtClean="0"/>
               <a:pPr>
                 <a:defRPr/>
               </a:pPr>
               <a:t>2018/6/4</a:t>
             </a:fld>
-            <a:endParaRPr lang="zh-TW" altLang="en-US" dirty="0"/>
-          </a:p>
-        </p:txBody>
-      </p:sp>
-      <p:sp>
-        <p:nvSpPr>
-          <p:cNvPr id="7" name="頁尾版面配置區 6"/>
+            <a:endParaRPr lang="zh-TW" altLang="en-US"/>
+          </a:p>
+        </p:txBody>
+      </p:sp>
+      <p:sp>
+        <p:nvSpPr>
+          <p:cNvPr id="5" name="頁尾版面配置區 4"/>
           <p:cNvSpPr>
             <a:spLocks noGrp="1"/>
           </p:cNvSpPr>
@@ -6480,7 +9101,7 @@
       </p:sp>
       <p:sp>
         <p:nvSpPr>
-          <p:cNvPr id="4" name="投影片編號版面配置區 3"/>
+          <p:cNvPr id="6" name="投影片編號版面配置區 5"/>
           <p:cNvSpPr>
             <a:spLocks noGrp="1"/>
           </p:cNvSpPr>
@@ -6491,138 +9112,21 @@
         <p:spPr/>
         <p:txBody>
           <a:bodyPr/>
-          <a:lstStyle>
-            <a:lvl1pPr eaLnBrk="0" hangingPunct="0">
-              <a:defRPr kumimoji="1">
-                <a:solidFill>
-                  <a:schemeClr val="tx1"/>
-                </a:solidFill>
-                <a:latin typeface="Arial" panose="020B0604020202020204" pitchFamily="34" charset="0"/>
-                <a:ea typeface="新細明體" panose="02020500000000000000" pitchFamily="18" charset="-120"/>
-              </a:defRPr>
-            </a:lvl1pPr>
-            <a:lvl2pPr marL="742950" indent="-285750" eaLnBrk="0" hangingPunct="0">
-              <a:defRPr kumimoji="1">
-                <a:solidFill>
-                  <a:schemeClr val="tx1"/>
-                </a:solidFill>
-                <a:latin typeface="Arial" panose="020B0604020202020204" pitchFamily="34" charset="0"/>
-                <a:ea typeface="新細明體" panose="02020500000000000000" pitchFamily="18" charset="-120"/>
-              </a:defRPr>
-            </a:lvl2pPr>
-            <a:lvl3pPr marL="1143000" indent="-228600" eaLnBrk="0" hangingPunct="0">
-              <a:defRPr kumimoji="1">
-                <a:solidFill>
-                  <a:schemeClr val="tx1"/>
-                </a:solidFill>
-                <a:latin typeface="Arial" panose="020B0604020202020204" pitchFamily="34" charset="0"/>
-                <a:ea typeface="新細明體" panose="02020500000000000000" pitchFamily="18" charset="-120"/>
-              </a:defRPr>
-            </a:lvl3pPr>
-            <a:lvl4pPr marL="1600200" indent="-228600" eaLnBrk="0" hangingPunct="0">
-              <a:defRPr kumimoji="1">
-                <a:solidFill>
-                  <a:schemeClr val="tx1"/>
-                </a:solidFill>
-                <a:latin typeface="Arial" panose="020B0604020202020204" pitchFamily="34" charset="0"/>
-                <a:ea typeface="新細明體" panose="02020500000000000000" pitchFamily="18" charset="-120"/>
-              </a:defRPr>
-            </a:lvl4pPr>
-            <a:lvl5pPr marL="2057400" indent="-228600" eaLnBrk="0" hangingPunct="0">
-              <a:defRPr kumimoji="1">
-                <a:solidFill>
-                  <a:schemeClr val="tx1"/>
-                </a:solidFill>
-                <a:latin typeface="Arial" panose="020B0604020202020204" pitchFamily="34" charset="0"/>
-                <a:ea typeface="新細明體" panose="02020500000000000000" pitchFamily="18" charset="-120"/>
-              </a:defRPr>
-            </a:lvl5pPr>
-            <a:lvl6pPr marL="2514600" indent="-228600" eaLnBrk="0" fontAlgn="base" hangingPunct="0">
-              <a:spcBef>
-                <a:spcPct val="0"/>
-              </a:spcBef>
-              <a:spcAft>
-                <a:spcPct val="0"/>
-              </a:spcAft>
-              <a:defRPr kumimoji="1">
-                <a:solidFill>
-                  <a:schemeClr val="tx1"/>
-                </a:solidFill>
-                <a:latin typeface="Arial" panose="020B0604020202020204" pitchFamily="34" charset="0"/>
-                <a:ea typeface="新細明體" panose="02020500000000000000" pitchFamily="18" charset="-120"/>
-              </a:defRPr>
-            </a:lvl6pPr>
-            <a:lvl7pPr marL="2971800" indent="-228600" eaLnBrk="0" fontAlgn="base" hangingPunct="0">
-              <a:spcBef>
-                <a:spcPct val="0"/>
-              </a:spcBef>
-              <a:spcAft>
-                <a:spcPct val="0"/>
-              </a:spcAft>
-              <a:defRPr kumimoji="1">
-                <a:solidFill>
-                  <a:schemeClr val="tx1"/>
-                </a:solidFill>
-                <a:latin typeface="Arial" panose="020B0604020202020204" pitchFamily="34" charset="0"/>
-                <a:ea typeface="新細明體" panose="02020500000000000000" pitchFamily="18" charset="-120"/>
-              </a:defRPr>
-            </a:lvl7pPr>
-            <a:lvl8pPr marL="3429000" indent="-228600" eaLnBrk="0" fontAlgn="base" hangingPunct="0">
-              <a:spcBef>
-                <a:spcPct val="0"/>
-              </a:spcBef>
-              <a:spcAft>
-                <a:spcPct val="0"/>
-              </a:spcAft>
-              <a:defRPr kumimoji="1">
-                <a:solidFill>
-                  <a:schemeClr val="tx1"/>
-                </a:solidFill>
-                <a:latin typeface="Arial" panose="020B0604020202020204" pitchFamily="34" charset="0"/>
-                <a:ea typeface="新細明體" panose="02020500000000000000" pitchFamily="18" charset="-120"/>
-              </a:defRPr>
-            </a:lvl8pPr>
-            <a:lvl9pPr marL="3886200" indent="-228600" eaLnBrk="0" fontAlgn="base" hangingPunct="0">
-              <a:spcBef>
-                <a:spcPct val="0"/>
-              </a:spcBef>
-              <a:spcAft>
-                <a:spcPct val="0"/>
-              </a:spcAft>
-              <a:defRPr kumimoji="1">
-                <a:solidFill>
-                  <a:schemeClr val="tx1"/>
-                </a:solidFill>
-                <a:latin typeface="Arial" panose="020B0604020202020204" pitchFamily="34" charset="0"/>
-                <a:ea typeface="新細明體" panose="02020500000000000000" pitchFamily="18" charset="-120"/>
-              </a:defRPr>
-            </a:lvl9pPr>
-          </a:lstStyle>
-          <a:p>
-            <a:pPr eaLnBrk="1" hangingPunct="1"/>
-            <a:fld id="{190A5E35-A5C2-4CE5-935A-79786C112CF7}" type="slidenum">
-              <a:rPr kumimoji="0" lang="zh-TW" altLang="en-US">
-                <a:solidFill>
-                  <a:srgbClr val="215968"/>
-                </a:solidFill>
-                <a:latin typeface="Calibri" panose="020F0502020204030204" pitchFamily="34" charset="0"/>
-              </a:rPr>
-              <a:pPr eaLnBrk="1" hangingPunct="1"/>
+          <a:lstStyle/>
+          <a:p>
+            <a:fld id="{75A2A58D-E85D-4719-B617-A12C5B989F66}" type="slidenum">
+              <a:rPr lang="zh-TW" altLang="en-US" smtClean="0"/>
+              <a:pPr/>
               <a:t>7</a:t>
             </a:fld>
-            <a:endParaRPr kumimoji="0" lang="zh-TW" altLang="en-US">
-              <a:solidFill>
-                <a:srgbClr val="215968"/>
-              </a:solidFill>
-              <a:latin typeface="Calibri" panose="020F0502020204030204" pitchFamily="34" charset="0"/>
-            </a:endParaRPr>
+            <a:endParaRPr lang="zh-TW" altLang="en-US"/>
           </a:p>
         </p:txBody>
       </p:sp>
     </p:spTree>
     <p:extLst>
       <p:ext uri="{BB962C8B-B14F-4D97-AF65-F5344CB8AC3E}">
-        <p14:creationId xmlns:p14="http://schemas.microsoft.com/office/powerpoint/2010/main" val="341130248"/>
+        <p14:creationId xmlns:p14="http://schemas.microsoft.com/office/powerpoint/2010/main" val="3529071261"/>
       </p:ext>
     </p:extLst>
   </p:cSld>
@@ -6658,6 +9162,416 @@
       </p:grpSpPr>
       <p:sp>
         <p:nvSpPr>
+          <p:cNvPr id="11" name="標題 10"/>
+          <p:cNvSpPr>
+            <a:spLocks noGrp="1"/>
+          </p:cNvSpPr>
+          <p:nvPr>
+            <p:ph type="title"/>
+          </p:nvPr>
+        </p:nvSpPr>
+        <p:spPr/>
+        <p:txBody>
+          <a:bodyPr/>
+          <a:lstStyle/>
+          <a:p>
+            <a:pPr>
+              <a:defRPr/>
+            </a:pPr>
+            <a:r>
+              <a:rPr lang="zh-TW" altLang="en-US" dirty="0" smtClean="0"/>
+              <a:t>大綱</a:t>
+            </a:r>
+            <a:endParaRPr lang="zh-TW" altLang="en-US" dirty="0"/>
+          </a:p>
+        </p:txBody>
+      </p:sp>
+      <p:sp>
+        <p:nvSpPr>
+          <p:cNvPr id="14339" name="內容版面配置區 11"/>
+          <p:cNvSpPr>
+            <a:spLocks noGrp="1"/>
+          </p:cNvSpPr>
+          <p:nvPr>
+            <p:ph idx="1"/>
+          </p:nvPr>
+        </p:nvSpPr>
+        <p:spPr/>
+        <p:txBody>
+          <a:bodyPr/>
+          <a:lstStyle/>
+          <a:p>
+            <a:r>
+              <a:rPr lang="zh-TW" altLang="en-US" dirty="0" smtClean="0">
+                <a:solidFill>
+                  <a:schemeClr val="tx2">
+                    <a:lumMod val="20000"/>
+                    <a:lumOff val="80000"/>
+                  </a:schemeClr>
+                </a:solidFill>
+              </a:rPr>
+              <a:t>研究背景與動機</a:t>
+            </a:r>
+            <a:endParaRPr lang="en-US" altLang="zh-TW" dirty="0" smtClean="0">
+              <a:solidFill>
+                <a:schemeClr val="tx2">
+                  <a:lumMod val="20000"/>
+                  <a:lumOff val="80000"/>
+                </a:schemeClr>
+              </a:solidFill>
+            </a:endParaRPr>
+          </a:p>
+          <a:p>
+            <a:r>
+              <a:rPr lang="zh-TW" altLang="en-US" dirty="0">
+                <a:solidFill>
+                  <a:schemeClr val="tx2">
+                    <a:lumMod val="20000"/>
+                    <a:lumOff val="80000"/>
+                  </a:schemeClr>
+                </a:solidFill>
+              </a:rPr>
+              <a:t>研究</a:t>
+            </a:r>
+            <a:r>
+              <a:rPr lang="zh-TW" altLang="en-US" dirty="0" smtClean="0">
+                <a:solidFill>
+                  <a:schemeClr val="tx2">
+                    <a:lumMod val="20000"/>
+                    <a:lumOff val="80000"/>
+                  </a:schemeClr>
+                </a:solidFill>
+              </a:rPr>
+              <a:t>目標</a:t>
+            </a:r>
+            <a:endParaRPr lang="en-US" altLang="zh-TW" dirty="0" smtClean="0">
+              <a:solidFill>
+                <a:schemeClr val="tx2">
+                  <a:lumMod val="20000"/>
+                  <a:lumOff val="80000"/>
+                </a:schemeClr>
+              </a:solidFill>
+            </a:endParaRPr>
+          </a:p>
+          <a:p>
+            <a:r>
+              <a:rPr lang="zh-TW" altLang="en-US" dirty="0" smtClean="0">
+                <a:solidFill>
+                  <a:schemeClr val="tx2">
+                    <a:lumMod val="75000"/>
+                  </a:schemeClr>
+                </a:solidFill>
+              </a:rPr>
+              <a:t>相關背景知識</a:t>
+            </a:r>
+            <a:endParaRPr lang="en-US" altLang="zh-TW" dirty="0" smtClean="0">
+              <a:solidFill>
+                <a:schemeClr val="tx2">
+                  <a:lumMod val="75000"/>
+                </a:schemeClr>
+              </a:solidFill>
+            </a:endParaRPr>
+          </a:p>
+          <a:p>
+            <a:r>
+              <a:rPr lang="zh-TW" altLang="en-US" dirty="0" smtClean="0">
+                <a:solidFill>
+                  <a:schemeClr val="tx2">
+                    <a:lumMod val="20000"/>
+                    <a:lumOff val="80000"/>
+                  </a:schemeClr>
+                </a:solidFill>
+              </a:rPr>
+              <a:t>方法概念及實作</a:t>
+            </a:r>
+            <a:endParaRPr lang="en-US" altLang="zh-TW" dirty="0" smtClean="0">
+              <a:solidFill>
+                <a:schemeClr val="tx2">
+                  <a:lumMod val="20000"/>
+                  <a:lumOff val="80000"/>
+                </a:schemeClr>
+              </a:solidFill>
+            </a:endParaRPr>
+          </a:p>
+          <a:p>
+            <a:r>
+              <a:rPr lang="zh-TW" altLang="en-US" dirty="0" smtClean="0">
+                <a:solidFill>
+                  <a:schemeClr val="tx2">
+                    <a:lumMod val="20000"/>
+                    <a:lumOff val="80000"/>
+                  </a:schemeClr>
+                </a:solidFill>
+              </a:rPr>
+              <a:t>案例分析</a:t>
+            </a:r>
+            <a:endParaRPr lang="en-US" altLang="zh-TW" dirty="0" smtClean="0">
+              <a:solidFill>
+                <a:schemeClr val="tx2">
+                  <a:lumMod val="20000"/>
+                  <a:lumOff val="80000"/>
+                </a:schemeClr>
+              </a:solidFill>
+            </a:endParaRPr>
+          </a:p>
+          <a:p>
+            <a:r>
+              <a:rPr lang="zh-TW" altLang="en-US" dirty="0" smtClean="0">
+                <a:solidFill>
+                  <a:schemeClr val="tx2">
+                    <a:lumMod val="20000"/>
+                    <a:lumOff val="80000"/>
+                  </a:schemeClr>
+                </a:solidFill>
+              </a:rPr>
+              <a:t>結論與未來研究方向</a:t>
+            </a:r>
+            <a:endParaRPr lang="zh-TW" altLang="en-US" dirty="0" smtClean="0">
+              <a:solidFill>
+                <a:schemeClr val="tx2">
+                  <a:lumMod val="20000"/>
+                  <a:lumOff val="80000"/>
+                </a:schemeClr>
+              </a:solidFill>
+            </a:endParaRPr>
+          </a:p>
+        </p:txBody>
+      </p:sp>
+      <p:sp>
+        <p:nvSpPr>
+          <p:cNvPr id="5" name="日期版面配置區 4"/>
+          <p:cNvSpPr>
+            <a:spLocks noGrp="1"/>
+          </p:cNvSpPr>
+          <p:nvPr>
+            <p:ph type="dt" sz="quarter" idx="10"/>
+          </p:nvPr>
+        </p:nvSpPr>
+        <p:spPr/>
+        <p:txBody>
+          <a:bodyPr/>
+          <a:lstStyle/>
+          <a:p>
+            <a:pPr>
+              <a:defRPr/>
+            </a:pPr>
+            <a:fld id="{8C4365B6-F14D-4045-8E37-64E386527D75}" type="datetime1">
+              <a:rPr lang="zh-TW" altLang="en-US" smtClean="0"/>
+              <a:pPr>
+                <a:defRPr/>
+              </a:pPr>
+              <a:t>2018/6/4</a:t>
+            </a:fld>
+            <a:endParaRPr lang="zh-TW" altLang="en-US" dirty="0"/>
+          </a:p>
+        </p:txBody>
+      </p:sp>
+      <p:sp>
+        <p:nvSpPr>
+          <p:cNvPr id="7" name="頁尾版面配置區 6"/>
+          <p:cNvSpPr>
+            <a:spLocks noGrp="1"/>
+          </p:cNvSpPr>
+          <p:nvPr>
+            <p:ph type="ftr" sz="quarter" idx="11"/>
+          </p:nvPr>
+        </p:nvSpPr>
+        <p:spPr/>
+        <p:txBody>
+          <a:bodyPr/>
+          <a:lstStyle/>
+          <a:p>
+            <a:pPr>
+              <a:defRPr/>
+            </a:pPr>
+            <a:r>
+              <a:rPr lang="zh-TW" altLang="en-US" smtClean="0"/>
+              <a:t>軟體系統實驗室</a:t>
+            </a:r>
+            <a:endParaRPr lang="zh-TW" altLang="en-US"/>
+          </a:p>
+        </p:txBody>
+      </p:sp>
+      <p:sp>
+        <p:nvSpPr>
+          <p:cNvPr id="4" name="投影片編號版面配置區 3"/>
+          <p:cNvSpPr>
+            <a:spLocks noGrp="1"/>
+          </p:cNvSpPr>
+          <p:nvPr>
+            <p:ph type="sldNum" sz="quarter" idx="12"/>
+          </p:nvPr>
+        </p:nvSpPr>
+        <p:spPr/>
+        <p:txBody>
+          <a:bodyPr/>
+          <a:lstStyle>
+            <a:lvl1pPr eaLnBrk="0" hangingPunct="0">
+              <a:defRPr kumimoji="1">
+                <a:solidFill>
+                  <a:schemeClr val="tx1"/>
+                </a:solidFill>
+                <a:latin typeface="Arial" panose="020B0604020202020204" pitchFamily="34" charset="0"/>
+                <a:ea typeface="新細明體" panose="02020500000000000000" pitchFamily="18" charset="-120"/>
+              </a:defRPr>
+            </a:lvl1pPr>
+            <a:lvl2pPr marL="742950" indent="-285750" eaLnBrk="0" hangingPunct="0">
+              <a:defRPr kumimoji="1">
+                <a:solidFill>
+                  <a:schemeClr val="tx1"/>
+                </a:solidFill>
+                <a:latin typeface="Arial" panose="020B0604020202020204" pitchFamily="34" charset="0"/>
+                <a:ea typeface="新細明體" panose="02020500000000000000" pitchFamily="18" charset="-120"/>
+              </a:defRPr>
+            </a:lvl2pPr>
+            <a:lvl3pPr marL="1143000" indent="-228600" eaLnBrk="0" hangingPunct="0">
+              <a:defRPr kumimoji="1">
+                <a:solidFill>
+                  <a:schemeClr val="tx1"/>
+                </a:solidFill>
+                <a:latin typeface="Arial" panose="020B0604020202020204" pitchFamily="34" charset="0"/>
+                <a:ea typeface="新細明體" panose="02020500000000000000" pitchFamily="18" charset="-120"/>
+              </a:defRPr>
+            </a:lvl3pPr>
+            <a:lvl4pPr marL="1600200" indent="-228600" eaLnBrk="0" hangingPunct="0">
+              <a:defRPr kumimoji="1">
+                <a:solidFill>
+                  <a:schemeClr val="tx1"/>
+                </a:solidFill>
+                <a:latin typeface="Arial" panose="020B0604020202020204" pitchFamily="34" charset="0"/>
+                <a:ea typeface="新細明體" panose="02020500000000000000" pitchFamily="18" charset="-120"/>
+              </a:defRPr>
+            </a:lvl4pPr>
+            <a:lvl5pPr marL="2057400" indent="-228600" eaLnBrk="0" hangingPunct="0">
+              <a:defRPr kumimoji="1">
+                <a:solidFill>
+                  <a:schemeClr val="tx1"/>
+                </a:solidFill>
+                <a:latin typeface="Arial" panose="020B0604020202020204" pitchFamily="34" charset="0"/>
+                <a:ea typeface="新細明體" panose="02020500000000000000" pitchFamily="18" charset="-120"/>
+              </a:defRPr>
+            </a:lvl5pPr>
+            <a:lvl6pPr marL="2514600" indent="-228600" eaLnBrk="0" fontAlgn="base" hangingPunct="0">
+              <a:spcBef>
+                <a:spcPct val="0"/>
+              </a:spcBef>
+              <a:spcAft>
+                <a:spcPct val="0"/>
+              </a:spcAft>
+              <a:defRPr kumimoji="1">
+                <a:solidFill>
+                  <a:schemeClr val="tx1"/>
+                </a:solidFill>
+                <a:latin typeface="Arial" panose="020B0604020202020204" pitchFamily="34" charset="0"/>
+                <a:ea typeface="新細明體" panose="02020500000000000000" pitchFamily="18" charset="-120"/>
+              </a:defRPr>
+            </a:lvl6pPr>
+            <a:lvl7pPr marL="2971800" indent="-228600" eaLnBrk="0" fontAlgn="base" hangingPunct="0">
+              <a:spcBef>
+                <a:spcPct val="0"/>
+              </a:spcBef>
+              <a:spcAft>
+                <a:spcPct val="0"/>
+              </a:spcAft>
+              <a:defRPr kumimoji="1">
+                <a:solidFill>
+                  <a:schemeClr val="tx1"/>
+                </a:solidFill>
+                <a:latin typeface="Arial" panose="020B0604020202020204" pitchFamily="34" charset="0"/>
+                <a:ea typeface="新細明體" panose="02020500000000000000" pitchFamily="18" charset="-120"/>
+              </a:defRPr>
+            </a:lvl7pPr>
+            <a:lvl8pPr marL="3429000" indent="-228600" eaLnBrk="0" fontAlgn="base" hangingPunct="0">
+              <a:spcBef>
+                <a:spcPct val="0"/>
+              </a:spcBef>
+              <a:spcAft>
+                <a:spcPct val="0"/>
+              </a:spcAft>
+              <a:defRPr kumimoji="1">
+                <a:solidFill>
+                  <a:schemeClr val="tx1"/>
+                </a:solidFill>
+                <a:latin typeface="Arial" panose="020B0604020202020204" pitchFamily="34" charset="0"/>
+                <a:ea typeface="新細明體" panose="02020500000000000000" pitchFamily="18" charset="-120"/>
+              </a:defRPr>
+            </a:lvl8pPr>
+            <a:lvl9pPr marL="3886200" indent="-228600" eaLnBrk="0" fontAlgn="base" hangingPunct="0">
+              <a:spcBef>
+                <a:spcPct val="0"/>
+              </a:spcBef>
+              <a:spcAft>
+                <a:spcPct val="0"/>
+              </a:spcAft>
+              <a:defRPr kumimoji="1">
+                <a:solidFill>
+                  <a:schemeClr val="tx1"/>
+                </a:solidFill>
+                <a:latin typeface="Arial" panose="020B0604020202020204" pitchFamily="34" charset="0"/>
+                <a:ea typeface="新細明體" panose="02020500000000000000" pitchFamily="18" charset="-120"/>
+              </a:defRPr>
+            </a:lvl9pPr>
+          </a:lstStyle>
+          <a:p>
+            <a:pPr eaLnBrk="1" hangingPunct="1"/>
+            <a:fld id="{190A5E35-A5C2-4CE5-935A-79786C112CF7}" type="slidenum">
+              <a:rPr kumimoji="0" lang="zh-TW" altLang="en-US">
+                <a:solidFill>
+                  <a:srgbClr val="215968"/>
+                </a:solidFill>
+                <a:latin typeface="Calibri" panose="020F0502020204030204" pitchFamily="34" charset="0"/>
+              </a:rPr>
+              <a:pPr eaLnBrk="1" hangingPunct="1"/>
+              <a:t>8</a:t>
+            </a:fld>
+            <a:endParaRPr kumimoji="0" lang="zh-TW" altLang="en-US">
+              <a:solidFill>
+                <a:srgbClr val="215968"/>
+              </a:solidFill>
+              <a:latin typeface="Calibri" panose="020F0502020204030204" pitchFamily="34" charset="0"/>
+            </a:endParaRPr>
+          </a:p>
+        </p:txBody>
+      </p:sp>
+    </p:spTree>
+    <p:extLst>
+      <p:ext uri="{BB962C8B-B14F-4D97-AF65-F5344CB8AC3E}">
+        <p14:creationId xmlns:p14="http://schemas.microsoft.com/office/powerpoint/2010/main" val="3394312187"/>
+      </p:ext>
+    </p:extLst>
+  </p:cSld>
+  <p:clrMapOvr>
+    <a:masterClrMapping/>
+  </p:clrMapOvr>
+  <p:timing>
+    <p:tnLst>
+      <p:par>
+        <p:cTn id="1" dur="indefinite" restart="never" nodeType="tmRoot"/>
+      </p:par>
+    </p:tnLst>
+  </p:timing>
+</p:sld>
+</file>
+
+<file path=ppt/slides/slide9.xml><?xml version="1.0" encoding="utf-8"?>
+<p:sld xmlns:a="http://schemas.openxmlformats.org/drawingml/2006/main" xmlns:r="http://schemas.openxmlformats.org/officeDocument/2006/relationships" xmlns:p="http://schemas.openxmlformats.org/presentationml/2006/main">
+  <p:cSld>
+    <p:spTree>
+      <p:nvGrpSpPr>
+        <p:cNvPr id="1" name=""/>
+        <p:cNvGrpSpPr/>
+        <p:nvPr/>
+      </p:nvGrpSpPr>
+      <p:grpSpPr>
+        <a:xfrm>
+          <a:off x="0" y="0"/>
+          <a:ext cx="0" cy="0"/>
+          <a:chOff x="0" y="0"/>
+          <a:chExt cx="0" cy="0"/>
+        </a:xfrm>
+      </p:grpSpPr>
+      <p:sp>
+        <p:nvSpPr>
           <p:cNvPr id="2" name="標題 1"/>
           <p:cNvSpPr>
             <a:spLocks noGrp="1"/>
@@ -6671,7 +9585,11 @@
           <a:bodyPr/>
           <a:lstStyle/>
           <a:p>
-            <a:endParaRPr lang="zh-TW" altLang="en-US"/>
+            <a:r>
+              <a:rPr lang="en-US" altLang="zh-TW" dirty="0" smtClean="0"/>
+              <a:t>Robusta</a:t>
+            </a:r>
+            <a:endParaRPr lang="zh-TW" altLang="en-US" dirty="0"/>
           </a:p>
         </p:txBody>
       </p:sp>
@@ -6685,24 +9603,103 @@
             <p:ph idx="1"/>
           </p:nvPr>
         </p:nvSpPr>
-        <p:spPr>
-          <a:xfrm>
-            <a:off x="432427" y="3062038"/>
-            <a:ext cx="8229600" cy="824955"/>
-          </a:xfrm>
-        </p:spPr>
+        <p:spPr/>
         <p:txBody>
           <a:bodyPr/>
           <a:lstStyle/>
           <a:p>
-            <a:pPr marL="0" indent="0" algn="ctr">
+            <a:pPr marL="0" indent="0">
               <a:buNone/>
             </a:pPr>
             <a:r>
-              <a:rPr lang="en-US" altLang="zh-TW" sz="8800" dirty="0" smtClean="0"/>
-              <a:t>Q&amp;A</a:t>
-            </a:r>
-            <a:endParaRPr lang="zh-TW" altLang="en-US" sz="8800" dirty="0"/>
+              <a:rPr lang="en-US" altLang="zh-TW" dirty="0" smtClean="0"/>
+              <a:t>Robusta </a:t>
+            </a:r>
+            <a:r>
+              <a:rPr lang="zh-TW" altLang="zh-TW" dirty="0" smtClean="0"/>
+              <a:t>為</a:t>
+            </a:r>
+            <a:r>
+              <a:rPr lang="zh-TW" altLang="zh-TW" dirty="0"/>
+              <a:t>一個以</a:t>
+            </a:r>
+            <a:r>
+              <a:rPr lang="en-US" altLang="zh-TW" dirty="0"/>
+              <a:t>Java</a:t>
+            </a:r>
+            <a:r>
+              <a:rPr lang="zh-TW" altLang="zh-TW" dirty="0"/>
+              <a:t>開發的開源專案，是</a:t>
+            </a:r>
+            <a:r>
+              <a:rPr lang="zh-TW" altLang="zh-TW" dirty="0" smtClean="0"/>
+              <a:t>一個程式碼</a:t>
+            </a:r>
+            <a:r>
+              <a:rPr lang="zh-TW" altLang="zh-TW" dirty="0"/>
+              <a:t>分析</a:t>
+            </a:r>
+            <a:r>
+              <a:rPr lang="zh-TW" altLang="zh-TW" dirty="0" smtClean="0"/>
+              <a:t>工具</a:t>
+            </a:r>
+            <a:endParaRPr lang="en-US" altLang="zh-TW" dirty="0" smtClean="0"/>
+          </a:p>
+          <a:p>
+            <a:pPr>
+              <a:defRPr/>
+            </a:pPr>
+            <a:r>
+              <a:rPr lang="zh-TW" altLang="en-US" dirty="0"/>
+              <a:t>偵測 </a:t>
+            </a:r>
+            <a:r>
+              <a:rPr lang="en-US" altLang="zh-TW" dirty="0"/>
+              <a:t>Java</a:t>
+            </a:r>
+            <a:r>
+              <a:rPr lang="zh-TW" altLang="en-US" dirty="0"/>
+              <a:t> 程式中的例外處理壞</a:t>
+            </a:r>
+            <a:r>
+              <a:rPr lang="zh-TW" altLang="en-US" dirty="0" smtClean="0"/>
+              <a:t>味道</a:t>
+            </a:r>
+            <a:endParaRPr lang="en-US" altLang="zh-TW" dirty="0" smtClean="0"/>
+          </a:p>
+          <a:p>
+            <a:pPr>
+              <a:defRPr/>
+            </a:pPr>
+            <a:r>
+              <a:rPr lang="zh-TW" altLang="en-US" dirty="0" smtClean="0"/>
+              <a:t>消</a:t>
+            </a:r>
+            <a:r>
+              <a:rPr lang="zh-TW" altLang="en-US" dirty="0"/>
+              <a:t>除</a:t>
+            </a:r>
+            <a:r>
+              <a:rPr lang="zh-TW" altLang="en-US" dirty="0" smtClean="0"/>
+              <a:t>例外處理壞味道</a:t>
+            </a:r>
+            <a:endParaRPr lang="en-US" altLang="zh-TW" dirty="0" smtClean="0"/>
+          </a:p>
+          <a:p>
+            <a:pPr>
+              <a:defRPr/>
+            </a:pPr>
+            <a:r>
+              <a:rPr lang="zh-TW" altLang="en-US" dirty="0" smtClean="0"/>
+              <a:t>報表的方式的查找壞味道在程式碼的位置</a:t>
+            </a:r>
+            <a:endParaRPr lang="en-US" altLang="zh-TW" dirty="0" smtClean="0"/>
+          </a:p>
+          <a:p>
+            <a:pPr>
+              <a:defRPr/>
+            </a:pPr>
+            <a:endParaRPr lang="zh-TW" altLang="en-US" dirty="0"/>
           </a:p>
         </p:txBody>
       </p:sp>
@@ -6779,7 +9776,7 @@
             <a:fld id="{75A2A58D-E85D-4719-B617-A12C5B989F66}" type="slidenum">
               <a:rPr lang="zh-TW" altLang="en-US" smtClean="0"/>
               <a:pPr/>
-              <a:t>8</a:t>
+              <a:t>9</a:t>
             </a:fld>
             <a:endParaRPr lang="zh-TW" altLang="en-US"/>
           </a:p>
@@ -6788,7 +9785,7 @@
     </p:spTree>
     <p:extLst>
       <p:ext uri="{BB962C8B-B14F-4D97-AF65-F5344CB8AC3E}">
-        <p14:creationId xmlns:p14="http://schemas.microsoft.com/office/powerpoint/2010/main" val="2612722321"/>
+        <p14:creationId xmlns:p14="http://schemas.microsoft.com/office/powerpoint/2010/main" val="3230963447"/>
       </p:ext>
     </p:extLst>
   </p:cSld>
